--- a/update ban cuoi/Nhom-17.pptx
+++ b/update ban cuoi/Nhom-17.pptx
@@ -1,19 +1,21 @@
 
 <file path=ppt/presentation.xml><?xml version="1.0" encoding="utf-8"?>
-<p:presentation xmlns:a="http://schemas.openxmlformats.org/drawingml/2006/main" xmlns:r="http://schemas.openxmlformats.org/officeDocument/2006/relationships" xmlns:p="http://schemas.openxmlformats.org/presentationml/2006/main" saveSubsetFonts="1">
+<p:presentation xmlns:a="http://schemas.openxmlformats.org/drawingml/2006/main" xmlns:r="http://schemas.openxmlformats.org/officeDocument/2006/relationships" xmlns:p="http://schemas.openxmlformats.org/presentationml/2006/main">
   <p:sldMasterIdLst>
-    <p:sldMasterId id="2147483678" r:id="rId1"/>
+    <p:sldMasterId id="2147483648" r:id="rId1"/>
   </p:sldMasterIdLst>
   <p:sldIdLst>
-    <p:sldId id="256" r:id="rId2"/>
-    <p:sldId id="257" r:id="rId3"/>
-    <p:sldId id="262" r:id="rId4"/>
-    <p:sldId id="258" r:id="rId5"/>
-    <p:sldId id="259" r:id="rId6"/>
-    <p:sldId id="264" r:id="rId7"/>
-    <p:sldId id="260" r:id="rId8"/>
-    <p:sldId id="263" r:id="rId9"/>
-    <p:sldId id="261" r:id="rId10"/>
+    <p:sldId id="256" r:id="rId3"/>
+    <p:sldId id="257" r:id="rId4"/>
+    <p:sldId id="262" r:id="rId5"/>
+    <p:sldId id="258" r:id="rId6"/>
+    <p:sldId id="259" r:id="rId7"/>
+    <p:sldId id="264" r:id="rId8"/>
+    <p:sldId id="260" r:id="rId9"/>
+    <p:sldId id="263" r:id="rId10"/>
+    <p:sldId id="261" r:id="rId11"/>
+    <p:sldId id="271" r:id="rId12"/>
+    <p:sldId id="269" r:id="rId13"/>
   </p:sldIdLst>
   <p:sldSz cx="12192000" cy="6858000"/>
   <p:notesSz cx="6858000" cy="9144000"/>
@@ -116,7 +118,7 @@
 </file>
 
 <file path=ppt/slideLayouts/slideLayout1.xml><?xml version="1.0" encoding="utf-8"?>
-<p:sldLayout xmlns:a="http://schemas.openxmlformats.org/drawingml/2006/main" xmlns:r="http://schemas.openxmlformats.org/officeDocument/2006/relationships" xmlns:p="http://schemas.openxmlformats.org/presentationml/2006/main" showMasterSp="0" type="title" preserve="1">
+<p:sldLayout xmlns:a="http://schemas.openxmlformats.org/drawingml/2006/main" xmlns:r="http://schemas.openxmlformats.org/officeDocument/2006/relationships" xmlns:p="http://schemas.openxmlformats.org/presentationml/2006/main" type="title" preserve="1" showMasterSp="0">
   <p:cSld name="Title Slide">
     <p:spTree>
       <p:nvGrpSpPr>
@@ -837,7 +839,6 @@
           <a:p>
             <a:fld id="{382D7158-BCA9-47EA-AA9D-AC7B67B8BF8C}" type="datetimeFigureOut">
               <a:rPr lang="en-US" smtClean="0"/>
-              <a:t>11/8/2020</a:t>
             </a:fld>
             <a:endParaRPr lang="en-US"/>
           </a:p>
@@ -879,18 +880,12 @@
           <a:p>
             <a:fld id="{82C7A620-F616-47CF-8746-989DDFAEEDF2}" type="slidenum">
               <a:rPr lang="en-US" smtClean="0"/>
-              <a:t>‹#›</a:t>
             </a:fld>
             <a:endParaRPr lang="en-US"/>
           </a:p>
         </p:txBody>
       </p:sp>
     </p:spTree>
-    <p:extLst>
-      <p:ext uri="{BB962C8B-B14F-4D97-AF65-F5344CB8AC3E}">
-        <p14:creationId xmlns:p14="http://schemas.microsoft.com/office/powerpoint/2010/main" val="3759076016"/>
-      </p:ext>
-    </p:extLst>
   </p:cSld>
   <p:clrMapOvr>
     <a:masterClrMapping/>
@@ -1068,6 +1063,7 @@
               <a:rPr lang="en-US" smtClean="0"/>
               <a:t>Edit Master text styles</a:t>
             </a:r>
+            <a:endParaRPr lang="en-US" smtClean="0"/>
           </a:p>
         </p:txBody>
       </p:sp>
@@ -1088,7 +1084,6 @@
           <a:p>
             <a:fld id="{382D7158-BCA9-47EA-AA9D-AC7B67B8BF8C}" type="datetimeFigureOut">
               <a:rPr lang="en-US" smtClean="0"/>
-              <a:t>11/8/2020</a:t>
             </a:fld>
             <a:endParaRPr lang="en-US"/>
           </a:p>
@@ -1130,18 +1125,12 @@
           <a:p>
             <a:fld id="{82C7A620-F616-47CF-8746-989DDFAEEDF2}" type="slidenum">
               <a:rPr lang="en-US" smtClean="0"/>
-              <a:t>‹#›</a:t>
             </a:fld>
             <a:endParaRPr lang="en-US"/>
           </a:p>
         </p:txBody>
       </p:sp>
     </p:spTree>
-    <p:extLst>
-      <p:ext uri="{BB962C8B-B14F-4D97-AF65-F5344CB8AC3E}">
-        <p14:creationId xmlns:p14="http://schemas.microsoft.com/office/powerpoint/2010/main" val="3524307268"/>
-      </p:ext>
-    </p:extLst>
   </p:cSld>
   <p:clrMapOvr>
     <a:masterClrMapping/>
@@ -1260,6 +1249,7 @@
               <a:rPr lang="en-US" smtClean="0"/>
               <a:t>Edit Master text styles</a:t>
             </a:r>
+            <a:endParaRPr lang="en-US" smtClean="0"/>
           </a:p>
         </p:txBody>
       </p:sp>
@@ -1382,6 +1372,7 @@
               <a:rPr lang="en-US" smtClean="0"/>
               <a:t>Edit Master text styles</a:t>
             </a:r>
+            <a:endParaRPr lang="en-US" smtClean="0"/>
           </a:p>
         </p:txBody>
       </p:sp>
@@ -1402,7 +1393,6 @@
           <a:p>
             <a:fld id="{382D7158-BCA9-47EA-AA9D-AC7B67B8BF8C}" type="datetimeFigureOut">
               <a:rPr lang="en-US" smtClean="0"/>
-              <a:t>11/8/2020</a:t>
             </a:fld>
             <a:endParaRPr lang="en-US"/>
           </a:p>
@@ -1444,7 +1434,6 @@
           <a:p>
             <a:fld id="{82C7A620-F616-47CF-8746-989DDFAEEDF2}" type="slidenum">
               <a:rPr lang="en-US" smtClean="0"/>
-              <a:t>‹#›</a:t>
             </a:fld>
             <a:endParaRPr lang="en-US"/>
           </a:p>
@@ -1484,10 +1473,23 @@
                   </a:schemeClr>
                 </a:solidFill>
                 <a:effectLst/>
-                <a:latin typeface="Arial"/>
+                <a:latin typeface="Arial" panose="020B0604020202020204"/>
               </a:rPr>
               <a:t>“</a:t>
             </a:r>
+            <a:endParaRPr lang="en-US" sz="8000" baseline="0" dirty="0">
+              <a:ln w="3175" cmpd="sng">
+                <a:noFill/>
+              </a:ln>
+              <a:solidFill>
+                <a:schemeClr val="accent1">
+                  <a:lumMod val="60000"/>
+                  <a:lumOff val="40000"/>
+                </a:schemeClr>
+              </a:solidFill>
+              <a:effectLst/>
+              <a:latin typeface="Arial" panose="020B0604020202020204"/>
+            </a:endParaRPr>
           </a:p>
         </p:txBody>
       </p:sp>
@@ -1524,7 +1526,7 @@
                     <a:lumOff val="40000"/>
                   </a:schemeClr>
                 </a:solidFill>
-                <a:latin typeface="Arial"/>
+                <a:latin typeface="Arial" panose="020B0604020202020204"/>
               </a:rPr>
               <a:t>”</a:t>
             </a:r>
@@ -1535,17 +1537,12 @@
                   <a:lumOff val="40000"/>
                 </a:schemeClr>
               </a:solidFill>
-              <a:latin typeface="Arial"/>
+              <a:latin typeface="Arial" panose="020B0604020202020204"/>
             </a:endParaRPr>
           </a:p>
         </p:txBody>
       </p:sp>
     </p:spTree>
-    <p:extLst>
-      <p:ext uri="{BB962C8B-B14F-4D97-AF65-F5344CB8AC3E}">
-        <p14:creationId xmlns:p14="http://schemas.microsoft.com/office/powerpoint/2010/main" val="966578223"/>
-      </p:ext>
-    </p:extLst>
   </p:cSld>
   <p:clrMapOvr>
     <a:masterClrMapping/>
@@ -1723,6 +1720,7 @@
               <a:rPr lang="en-US" smtClean="0"/>
               <a:t>Edit Master text styles</a:t>
             </a:r>
+            <a:endParaRPr lang="en-US" smtClean="0"/>
           </a:p>
         </p:txBody>
       </p:sp>
@@ -1743,7 +1741,6 @@
           <a:p>
             <a:fld id="{382D7158-BCA9-47EA-AA9D-AC7B67B8BF8C}" type="datetimeFigureOut">
               <a:rPr lang="en-US" smtClean="0"/>
-              <a:t>11/8/2020</a:t>
             </a:fld>
             <a:endParaRPr lang="en-US"/>
           </a:p>
@@ -1785,18 +1782,12 @@
           <a:p>
             <a:fld id="{82C7A620-F616-47CF-8746-989DDFAEEDF2}" type="slidenum">
               <a:rPr lang="en-US" smtClean="0"/>
-              <a:t>‹#›</a:t>
             </a:fld>
             <a:endParaRPr lang="en-US"/>
           </a:p>
         </p:txBody>
       </p:sp>
     </p:spTree>
-    <p:extLst>
-      <p:ext uri="{BB962C8B-B14F-4D97-AF65-F5344CB8AC3E}">
-        <p14:creationId xmlns:p14="http://schemas.microsoft.com/office/powerpoint/2010/main" val="508579399"/>
-      </p:ext>
-    </p:extLst>
   </p:cSld>
   <p:clrMapOvr>
     <a:masterClrMapping/>
@@ -1915,6 +1906,7 @@
               <a:rPr lang="en-US" smtClean="0"/>
               <a:t>Edit Master text styles</a:t>
             </a:r>
+            <a:endParaRPr lang="en-US" smtClean="0"/>
           </a:p>
         </p:txBody>
       </p:sp>
@@ -2037,6 +2029,7 @@
               <a:rPr lang="en-US" smtClean="0"/>
               <a:t>Edit Master text styles</a:t>
             </a:r>
+            <a:endParaRPr lang="en-US" smtClean="0"/>
           </a:p>
         </p:txBody>
       </p:sp>
@@ -2057,7 +2050,6 @@
           <a:p>
             <a:fld id="{382D7158-BCA9-47EA-AA9D-AC7B67B8BF8C}" type="datetimeFigureOut">
               <a:rPr lang="en-US" smtClean="0"/>
-              <a:t>11/8/2020</a:t>
             </a:fld>
             <a:endParaRPr lang="en-US"/>
           </a:p>
@@ -2099,7 +2091,6 @@
           <a:p>
             <a:fld id="{82C7A620-F616-47CF-8746-989DDFAEEDF2}" type="slidenum">
               <a:rPr lang="en-US" smtClean="0"/>
-              <a:t>‹#›</a:t>
             </a:fld>
             <a:endParaRPr lang="en-US"/>
           </a:p>
@@ -2139,10 +2130,23 @@
                   </a:schemeClr>
                 </a:solidFill>
                 <a:effectLst/>
-                <a:latin typeface="Arial"/>
+                <a:latin typeface="Arial" panose="020B0604020202020204"/>
               </a:rPr>
               <a:t>“</a:t>
             </a:r>
+            <a:endParaRPr lang="en-US" sz="8000" baseline="0" dirty="0">
+              <a:ln w="3175" cmpd="sng">
+                <a:noFill/>
+              </a:ln>
+              <a:solidFill>
+                <a:schemeClr val="accent1">
+                  <a:lumMod val="60000"/>
+                  <a:lumOff val="40000"/>
+                </a:schemeClr>
+              </a:solidFill>
+              <a:effectLst/>
+              <a:latin typeface="Arial" panose="020B0604020202020204"/>
+            </a:endParaRPr>
           </a:p>
         </p:txBody>
       </p:sp>
@@ -2180,19 +2184,27 @@
                   </a:schemeClr>
                 </a:solidFill>
                 <a:effectLst/>
-                <a:latin typeface="Arial"/>
+                <a:latin typeface="Arial" panose="020B0604020202020204"/>
               </a:rPr>
               <a:t>”</a:t>
             </a:r>
+            <a:endParaRPr lang="en-US" sz="8000" baseline="0" dirty="0">
+              <a:ln w="3175" cmpd="sng">
+                <a:noFill/>
+              </a:ln>
+              <a:solidFill>
+                <a:schemeClr val="accent1">
+                  <a:lumMod val="60000"/>
+                  <a:lumOff val="40000"/>
+                </a:schemeClr>
+              </a:solidFill>
+              <a:effectLst/>
+              <a:latin typeface="Arial" panose="020B0604020202020204"/>
+            </a:endParaRPr>
           </a:p>
         </p:txBody>
       </p:sp>
     </p:spTree>
-    <p:extLst>
-      <p:ext uri="{BB962C8B-B14F-4D97-AF65-F5344CB8AC3E}">
-        <p14:creationId xmlns:p14="http://schemas.microsoft.com/office/powerpoint/2010/main" val="2163322117"/>
-      </p:ext>
-    </p:extLst>
   </p:cSld>
   <p:clrMapOvr>
     <a:masterClrMapping/>
@@ -2308,6 +2320,7 @@
               <a:rPr lang="en-US" smtClean="0"/>
               <a:t>Edit Master text styles</a:t>
             </a:r>
+            <a:endParaRPr lang="en-US" smtClean="0"/>
           </a:p>
         </p:txBody>
       </p:sp>
@@ -2430,6 +2443,7 @@
               <a:rPr lang="en-US" smtClean="0"/>
               <a:t>Edit Master text styles</a:t>
             </a:r>
+            <a:endParaRPr lang="en-US" smtClean="0"/>
           </a:p>
         </p:txBody>
       </p:sp>
@@ -2450,7 +2464,6 @@
           <a:p>
             <a:fld id="{382D7158-BCA9-47EA-AA9D-AC7B67B8BF8C}" type="datetimeFigureOut">
               <a:rPr lang="en-US" smtClean="0"/>
-              <a:t>11/8/2020</a:t>
             </a:fld>
             <a:endParaRPr lang="en-US"/>
           </a:p>
@@ -2492,18 +2505,12 @@
           <a:p>
             <a:fld id="{82C7A620-F616-47CF-8746-989DDFAEEDF2}" type="slidenum">
               <a:rPr lang="en-US" smtClean="0"/>
-              <a:t>‹#›</a:t>
             </a:fld>
             <a:endParaRPr lang="en-US"/>
           </a:p>
         </p:txBody>
       </p:sp>
     </p:spTree>
-    <p:extLst>
-      <p:ext uri="{BB962C8B-B14F-4D97-AF65-F5344CB8AC3E}">
-        <p14:creationId xmlns:p14="http://schemas.microsoft.com/office/powerpoint/2010/main" val="3352741880"/>
-      </p:ext>
-    </p:extLst>
   </p:cSld>
   <p:clrMapOvr>
     <a:masterClrMapping/>
@@ -2571,6 +2578,7 @@
               <a:rPr lang="en-US" smtClean="0"/>
               <a:t>Edit Master text styles</a:t>
             </a:r>
+            <a:endParaRPr lang="en-US" smtClean="0"/>
           </a:p>
           <a:p>
             <a:pPr lvl="1"/>
@@ -2578,6 +2586,7 @@
               <a:rPr lang="en-US" smtClean="0"/>
               <a:t>Second level</a:t>
             </a:r>
+            <a:endParaRPr lang="en-US" smtClean="0"/>
           </a:p>
           <a:p>
             <a:pPr lvl="2"/>
@@ -2585,6 +2594,7 @@
               <a:rPr lang="en-US" smtClean="0"/>
               <a:t>Third level</a:t>
             </a:r>
+            <a:endParaRPr lang="en-US" smtClean="0"/>
           </a:p>
           <a:p>
             <a:pPr lvl="3"/>
@@ -2592,6 +2602,7 @@
               <a:rPr lang="en-US" smtClean="0"/>
               <a:t>Fourth level</a:t>
             </a:r>
+            <a:endParaRPr lang="en-US" smtClean="0"/>
           </a:p>
           <a:p>
             <a:pPr lvl="4"/>
@@ -2620,7 +2631,6 @@
           <a:p>
             <a:fld id="{382D7158-BCA9-47EA-AA9D-AC7B67B8BF8C}" type="datetimeFigureOut">
               <a:rPr lang="en-US" smtClean="0"/>
-              <a:t>11/8/2020</a:t>
             </a:fld>
             <a:endParaRPr lang="en-US"/>
           </a:p>
@@ -2662,18 +2672,12 @@
           <a:p>
             <a:fld id="{82C7A620-F616-47CF-8746-989DDFAEEDF2}" type="slidenum">
               <a:rPr lang="en-US" smtClean="0"/>
-              <a:t>‹#›</a:t>
             </a:fld>
             <a:endParaRPr lang="en-US"/>
           </a:p>
         </p:txBody>
       </p:sp>
     </p:spTree>
-    <p:extLst>
-      <p:ext uri="{BB962C8B-B14F-4D97-AF65-F5344CB8AC3E}">
-        <p14:creationId xmlns:p14="http://schemas.microsoft.com/office/powerpoint/2010/main" val="1210801470"/>
-      </p:ext>
-    </p:extLst>
   </p:cSld>
   <p:clrMapOvr>
     <a:masterClrMapping/>
@@ -2751,6 +2755,7 @@
               <a:rPr lang="en-US" smtClean="0"/>
               <a:t>Edit Master text styles</a:t>
             </a:r>
+            <a:endParaRPr lang="en-US" smtClean="0"/>
           </a:p>
           <a:p>
             <a:pPr lvl="1"/>
@@ -2758,6 +2763,7 @@
               <a:rPr lang="en-US" smtClean="0"/>
               <a:t>Second level</a:t>
             </a:r>
+            <a:endParaRPr lang="en-US" smtClean="0"/>
           </a:p>
           <a:p>
             <a:pPr lvl="2"/>
@@ -2765,6 +2771,7 @@
               <a:rPr lang="en-US" smtClean="0"/>
               <a:t>Third level</a:t>
             </a:r>
+            <a:endParaRPr lang="en-US" smtClean="0"/>
           </a:p>
           <a:p>
             <a:pPr lvl="3"/>
@@ -2772,6 +2779,7 @@
               <a:rPr lang="en-US" smtClean="0"/>
               <a:t>Fourth level</a:t>
             </a:r>
+            <a:endParaRPr lang="en-US" smtClean="0"/>
           </a:p>
           <a:p>
             <a:pPr lvl="4"/>
@@ -2800,7 +2808,6 @@
           <a:p>
             <a:fld id="{382D7158-BCA9-47EA-AA9D-AC7B67B8BF8C}" type="datetimeFigureOut">
               <a:rPr lang="en-US" smtClean="0"/>
-              <a:t>11/8/2020</a:t>
             </a:fld>
             <a:endParaRPr lang="en-US"/>
           </a:p>
@@ -2842,18 +2849,12 @@
           <a:p>
             <a:fld id="{82C7A620-F616-47CF-8746-989DDFAEEDF2}" type="slidenum">
               <a:rPr lang="en-US" smtClean="0"/>
-              <a:t>‹#›</a:t>
             </a:fld>
             <a:endParaRPr lang="en-US"/>
           </a:p>
         </p:txBody>
       </p:sp>
     </p:spTree>
-    <p:extLst>
-      <p:ext uri="{BB962C8B-B14F-4D97-AF65-F5344CB8AC3E}">
-        <p14:creationId xmlns:p14="http://schemas.microsoft.com/office/powerpoint/2010/main" val="3880595004"/>
-      </p:ext>
-    </p:extLst>
   </p:cSld>
   <p:clrMapOvr>
     <a:masterClrMapping/>
@@ -2927,6 +2928,7 @@
               <a:rPr lang="en-US" smtClean="0"/>
               <a:t>Edit Master text styles</a:t>
             </a:r>
+            <a:endParaRPr lang="en-US" smtClean="0"/>
           </a:p>
           <a:p>
             <a:pPr lvl="1"/>
@@ -2934,6 +2936,7 @@
               <a:rPr lang="en-US" smtClean="0"/>
               <a:t>Second level</a:t>
             </a:r>
+            <a:endParaRPr lang="en-US" smtClean="0"/>
           </a:p>
           <a:p>
             <a:pPr lvl="2"/>
@@ -2941,6 +2944,7 @@
               <a:rPr lang="en-US" smtClean="0"/>
               <a:t>Third level</a:t>
             </a:r>
+            <a:endParaRPr lang="en-US" smtClean="0"/>
           </a:p>
           <a:p>
             <a:pPr lvl="3"/>
@@ -2948,6 +2952,7 @@
               <a:rPr lang="en-US" smtClean="0"/>
               <a:t>Fourth level</a:t>
             </a:r>
+            <a:endParaRPr lang="en-US" smtClean="0"/>
           </a:p>
           <a:p>
             <a:pPr lvl="4"/>
@@ -2976,7 +2981,6 @@
           <a:p>
             <a:fld id="{382D7158-BCA9-47EA-AA9D-AC7B67B8BF8C}" type="datetimeFigureOut">
               <a:rPr lang="en-US" smtClean="0"/>
-              <a:t>11/8/2020</a:t>
             </a:fld>
             <a:endParaRPr lang="en-US"/>
           </a:p>
@@ -3018,18 +3022,12 @@
           <a:p>
             <a:fld id="{82C7A620-F616-47CF-8746-989DDFAEEDF2}" type="slidenum">
               <a:rPr lang="en-US" smtClean="0"/>
-              <a:t>‹#›</a:t>
             </a:fld>
             <a:endParaRPr lang="en-US"/>
           </a:p>
         </p:txBody>
       </p:sp>
     </p:spTree>
-    <p:extLst>
-      <p:ext uri="{BB962C8B-B14F-4D97-AF65-F5344CB8AC3E}">
-        <p14:creationId xmlns:p14="http://schemas.microsoft.com/office/powerpoint/2010/main" val="2158732776"/>
-      </p:ext>
-    </p:extLst>
   </p:cSld>
   <p:clrMapOvr>
     <a:masterClrMapping/>
@@ -3203,6 +3201,7 @@
               <a:rPr lang="en-US" smtClean="0"/>
               <a:t>Edit Master text styles</a:t>
             </a:r>
+            <a:endParaRPr lang="en-US" smtClean="0"/>
           </a:p>
         </p:txBody>
       </p:sp>
@@ -3223,7 +3222,6 @@
           <a:p>
             <a:fld id="{382D7158-BCA9-47EA-AA9D-AC7B67B8BF8C}" type="datetimeFigureOut">
               <a:rPr lang="en-US" smtClean="0"/>
-              <a:t>11/8/2020</a:t>
             </a:fld>
             <a:endParaRPr lang="en-US"/>
           </a:p>
@@ -3265,18 +3263,12 @@
           <a:p>
             <a:fld id="{82C7A620-F616-47CF-8746-989DDFAEEDF2}" type="slidenum">
               <a:rPr lang="en-US" smtClean="0"/>
-              <a:t>‹#›</a:t>
             </a:fld>
             <a:endParaRPr lang="en-US"/>
           </a:p>
         </p:txBody>
       </p:sp>
     </p:spTree>
-    <p:extLst>
-      <p:ext uri="{BB962C8B-B14F-4D97-AF65-F5344CB8AC3E}">
-        <p14:creationId xmlns:p14="http://schemas.microsoft.com/office/powerpoint/2010/main" val="1977816060"/>
-      </p:ext>
-    </p:extLst>
   </p:cSld>
   <p:clrMapOvr>
     <a:masterClrMapping/>
@@ -3349,6 +3341,7 @@
               <a:rPr lang="en-US" smtClean="0"/>
               <a:t>Edit Master text styles</a:t>
             </a:r>
+            <a:endParaRPr lang="en-US" smtClean="0"/>
           </a:p>
           <a:p>
             <a:pPr lvl="1"/>
@@ -3356,6 +3349,7 @@
               <a:rPr lang="en-US" smtClean="0"/>
               <a:t>Second level</a:t>
             </a:r>
+            <a:endParaRPr lang="en-US" smtClean="0"/>
           </a:p>
           <a:p>
             <a:pPr lvl="2"/>
@@ -3363,6 +3357,7 @@
               <a:rPr lang="en-US" smtClean="0"/>
               <a:t>Third level</a:t>
             </a:r>
+            <a:endParaRPr lang="en-US" smtClean="0"/>
           </a:p>
           <a:p>
             <a:pPr lvl="3"/>
@@ -3370,6 +3365,7 @@
               <a:rPr lang="en-US" smtClean="0"/>
               <a:t>Fourth level</a:t>
             </a:r>
+            <a:endParaRPr lang="en-US" smtClean="0"/>
           </a:p>
           <a:p>
             <a:pPr lvl="4"/>
@@ -3406,6 +3402,7 @@
               <a:rPr lang="en-US" smtClean="0"/>
               <a:t>Edit Master text styles</a:t>
             </a:r>
+            <a:endParaRPr lang="en-US" smtClean="0"/>
           </a:p>
           <a:p>
             <a:pPr lvl="1"/>
@@ -3413,6 +3410,7 @@
               <a:rPr lang="en-US" smtClean="0"/>
               <a:t>Second level</a:t>
             </a:r>
+            <a:endParaRPr lang="en-US" smtClean="0"/>
           </a:p>
           <a:p>
             <a:pPr lvl="2"/>
@@ -3420,6 +3418,7 @@
               <a:rPr lang="en-US" smtClean="0"/>
               <a:t>Third level</a:t>
             </a:r>
+            <a:endParaRPr lang="en-US" smtClean="0"/>
           </a:p>
           <a:p>
             <a:pPr lvl="3"/>
@@ -3427,6 +3426,7 @@
               <a:rPr lang="en-US" smtClean="0"/>
               <a:t>Fourth level</a:t>
             </a:r>
+            <a:endParaRPr lang="en-US" smtClean="0"/>
           </a:p>
           <a:p>
             <a:pPr lvl="4"/>
@@ -3455,7 +3455,6 @@
           <a:p>
             <a:fld id="{382D7158-BCA9-47EA-AA9D-AC7B67B8BF8C}" type="datetimeFigureOut">
               <a:rPr lang="en-US" smtClean="0"/>
-              <a:t>11/8/2020</a:t>
             </a:fld>
             <a:endParaRPr lang="en-US"/>
           </a:p>
@@ -3497,18 +3496,12 @@
           <a:p>
             <a:fld id="{82C7A620-F616-47CF-8746-989DDFAEEDF2}" type="slidenum">
               <a:rPr lang="en-US" smtClean="0"/>
-              <a:t>‹#›</a:t>
             </a:fld>
             <a:endParaRPr lang="en-US"/>
           </a:p>
         </p:txBody>
       </p:sp>
     </p:spTree>
-    <p:extLst>
-      <p:ext uri="{BB962C8B-B14F-4D97-AF65-F5344CB8AC3E}">
-        <p14:creationId xmlns:p14="http://schemas.microsoft.com/office/powerpoint/2010/main" val="544177079"/>
-      </p:ext>
-    </p:extLst>
   </p:cSld>
   <p:clrMapOvr>
     <a:masterClrMapping/>
@@ -3624,6 +3617,7 @@
               <a:rPr lang="en-US" smtClean="0"/>
               <a:t>Edit Master text styles</a:t>
             </a:r>
+            <a:endParaRPr lang="en-US" smtClean="0"/>
           </a:p>
         </p:txBody>
       </p:sp>
@@ -3654,6 +3648,7 @@
               <a:rPr lang="en-US" smtClean="0"/>
               <a:t>Edit Master text styles</a:t>
             </a:r>
+            <a:endParaRPr lang="en-US" smtClean="0"/>
           </a:p>
           <a:p>
             <a:pPr lvl="1"/>
@@ -3661,6 +3656,7 @@
               <a:rPr lang="en-US" smtClean="0"/>
               <a:t>Second level</a:t>
             </a:r>
+            <a:endParaRPr lang="en-US" smtClean="0"/>
           </a:p>
           <a:p>
             <a:pPr lvl="2"/>
@@ -3668,6 +3664,7 @@
               <a:rPr lang="en-US" smtClean="0"/>
               <a:t>Third level</a:t>
             </a:r>
+            <a:endParaRPr lang="en-US" smtClean="0"/>
           </a:p>
           <a:p>
             <a:pPr lvl="3"/>
@@ -3675,6 +3672,7 @@
               <a:rPr lang="en-US" smtClean="0"/>
               <a:t>Fourth level</a:t>
             </a:r>
+            <a:endParaRPr lang="en-US" smtClean="0"/>
           </a:p>
           <a:p>
             <a:pPr lvl="4"/>
@@ -3750,6 +3748,7 @@
               <a:rPr lang="en-US" smtClean="0"/>
               <a:t>Edit Master text styles</a:t>
             </a:r>
+            <a:endParaRPr lang="en-US" smtClean="0"/>
           </a:p>
         </p:txBody>
       </p:sp>
@@ -3780,6 +3779,7 @@
               <a:rPr lang="en-US" smtClean="0"/>
               <a:t>Edit Master text styles</a:t>
             </a:r>
+            <a:endParaRPr lang="en-US" smtClean="0"/>
           </a:p>
           <a:p>
             <a:pPr lvl="1"/>
@@ -3787,6 +3787,7 @@
               <a:rPr lang="en-US" smtClean="0"/>
               <a:t>Second level</a:t>
             </a:r>
+            <a:endParaRPr lang="en-US" smtClean="0"/>
           </a:p>
           <a:p>
             <a:pPr lvl="2"/>
@@ -3794,6 +3795,7 @@
               <a:rPr lang="en-US" smtClean="0"/>
               <a:t>Third level</a:t>
             </a:r>
+            <a:endParaRPr lang="en-US" smtClean="0"/>
           </a:p>
           <a:p>
             <a:pPr lvl="3"/>
@@ -3801,6 +3803,7 @@
               <a:rPr lang="en-US" smtClean="0"/>
               <a:t>Fourth level</a:t>
             </a:r>
+            <a:endParaRPr lang="en-US" smtClean="0"/>
           </a:p>
           <a:p>
             <a:pPr lvl="4"/>
@@ -3829,7 +3832,6 @@
           <a:p>
             <a:fld id="{382D7158-BCA9-47EA-AA9D-AC7B67B8BF8C}" type="datetimeFigureOut">
               <a:rPr lang="en-US" smtClean="0"/>
-              <a:t>11/8/2020</a:t>
             </a:fld>
             <a:endParaRPr lang="en-US"/>
           </a:p>
@@ -3871,18 +3873,12 @@
           <a:p>
             <a:fld id="{82C7A620-F616-47CF-8746-989DDFAEEDF2}" type="slidenum">
               <a:rPr lang="en-US" smtClean="0"/>
-              <a:t>‹#›</a:t>
             </a:fld>
             <a:endParaRPr lang="en-US"/>
           </a:p>
         </p:txBody>
       </p:sp>
     </p:spTree>
-    <p:extLst>
-      <p:ext uri="{BB962C8B-B14F-4D97-AF65-F5344CB8AC3E}">
-        <p14:creationId xmlns:p14="http://schemas.microsoft.com/office/powerpoint/2010/main" val="2593472497"/>
-      </p:ext>
-    </p:extLst>
   </p:cSld>
   <p:clrMapOvr>
     <a:masterClrMapping/>
@@ -3952,7 +3948,6 @@
           <a:p>
             <a:fld id="{382D7158-BCA9-47EA-AA9D-AC7B67B8BF8C}" type="datetimeFigureOut">
               <a:rPr lang="en-US" smtClean="0"/>
-              <a:t>11/8/2020</a:t>
             </a:fld>
             <a:endParaRPr lang="en-US"/>
           </a:p>
@@ -3994,18 +3989,12 @@
           <a:p>
             <a:fld id="{82C7A620-F616-47CF-8746-989DDFAEEDF2}" type="slidenum">
               <a:rPr lang="en-US" smtClean="0"/>
-              <a:t>‹#›</a:t>
             </a:fld>
             <a:endParaRPr lang="en-US"/>
           </a:p>
         </p:txBody>
       </p:sp>
     </p:spTree>
-    <p:extLst>
-      <p:ext uri="{BB962C8B-B14F-4D97-AF65-F5344CB8AC3E}">
-        <p14:creationId xmlns:p14="http://schemas.microsoft.com/office/powerpoint/2010/main" val="4267348478"/>
-      </p:ext>
-    </p:extLst>
   </p:cSld>
   <p:clrMapOvr>
     <a:masterClrMapping/>
@@ -4047,7 +4036,6 @@
           <a:p>
             <a:fld id="{382D7158-BCA9-47EA-AA9D-AC7B67B8BF8C}" type="datetimeFigureOut">
               <a:rPr lang="en-US" smtClean="0"/>
-              <a:t>11/8/2020</a:t>
             </a:fld>
             <a:endParaRPr lang="en-US"/>
           </a:p>
@@ -4089,18 +4077,12 @@
           <a:p>
             <a:fld id="{82C7A620-F616-47CF-8746-989DDFAEEDF2}" type="slidenum">
               <a:rPr lang="en-US" smtClean="0"/>
-              <a:t>‹#›</a:t>
             </a:fld>
             <a:endParaRPr lang="en-US"/>
           </a:p>
         </p:txBody>
       </p:sp>
     </p:spTree>
-    <p:extLst>
-      <p:ext uri="{BB962C8B-B14F-4D97-AF65-F5344CB8AC3E}">
-        <p14:creationId xmlns:p14="http://schemas.microsoft.com/office/powerpoint/2010/main" val="1126412568"/>
-      </p:ext>
-    </p:extLst>
   </p:cSld>
   <p:clrMapOvr>
     <a:masterClrMapping/>
@@ -4186,6 +4168,7 @@
               <a:rPr lang="en-US" smtClean="0"/>
               <a:t>Edit Master text styles</a:t>
             </a:r>
+            <a:endParaRPr lang="en-US" smtClean="0"/>
           </a:p>
           <a:p>
             <a:pPr lvl="1"/>
@@ -4193,6 +4176,7 @@
               <a:rPr lang="en-US" smtClean="0"/>
               <a:t>Second level</a:t>
             </a:r>
+            <a:endParaRPr lang="en-US" smtClean="0"/>
           </a:p>
           <a:p>
             <a:pPr lvl="2"/>
@@ -4200,6 +4184,7 @@
               <a:rPr lang="en-US" smtClean="0"/>
               <a:t>Third level</a:t>
             </a:r>
+            <a:endParaRPr lang="en-US" smtClean="0"/>
           </a:p>
           <a:p>
             <a:pPr lvl="3"/>
@@ -4207,6 +4192,7 @@
               <a:rPr lang="en-US" smtClean="0"/>
               <a:t>Fourth level</a:t>
             </a:r>
+            <a:endParaRPr lang="en-US" smtClean="0"/>
           </a:p>
           <a:p>
             <a:pPr lvl="4"/>
@@ -4243,35 +4229,35 @@
               <a:buNone/>
               <a:defRPr sz="1400"/>
             </a:lvl1pPr>
-            <a:lvl2pPr marL="457063" indent="0">
+            <a:lvl2pPr marL="457200" indent="0">
               <a:buNone/>
               <a:defRPr sz="1400"/>
             </a:lvl2pPr>
-            <a:lvl3pPr marL="914126" indent="0">
+            <a:lvl3pPr marL="914400" indent="0">
               <a:buNone/>
               <a:defRPr sz="1200"/>
             </a:lvl3pPr>
-            <a:lvl4pPr marL="1371189" indent="0">
+            <a:lvl4pPr marL="1370965" indent="0">
               <a:buNone/>
               <a:defRPr sz="1000"/>
             </a:lvl4pPr>
-            <a:lvl5pPr marL="1828251" indent="0">
+            <a:lvl5pPr marL="1828165" indent="0">
               <a:buNone/>
               <a:defRPr sz="1000"/>
             </a:lvl5pPr>
-            <a:lvl6pPr marL="2285314" indent="0">
+            <a:lvl6pPr marL="2285365" indent="0">
               <a:buNone/>
               <a:defRPr sz="1000"/>
             </a:lvl6pPr>
-            <a:lvl7pPr marL="2742377" indent="0">
+            <a:lvl7pPr marL="2742565" indent="0">
               <a:buNone/>
               <a:defRPr sz="1000"/>
             </a:lvl7pPr>
-            <a:lvl8pPr marL="3199440" indent="0">
+            <a:lvl8pPr marL="3199130" indent="0">
               <a:buNone/>
               <a:defRPr sz="1000"/>
             </a:lvl8pPr>
-            <a:lvl9pPr marL="3656503" indent="0">
+            <a:lvl9pPr marL="3656330" indent="0">
               <a:buNone/>
               <a:defRPr sz="1000"/>
             </a:lvl9pPr>
@@ -4282,6 +4268,7 @@
               <a:rPr lang="en-US" smtClean="0"/>
               <a:t>Edit Master text styles</a:t>
             </a:r>
+            <a:endParaRPr lang="en-US" smtClean="0"/>
           </a:p>
         </p:txBody>
       </p:sp>
@@ -4302,7 +4289,6 @@
           <a:p>
             <a:fld id="{382D7158-BCA9-47EA-AA9D-AC7B67B8BF8C}" type="datetimeFigureOut">
               <a:rPr lang="en-US" smtClean="0"/>
-              <a:t>11/8/2020</a:t>
             </a:fld>
             <a:endParaRPr lang="en-US"/>
           </a:p>
@@ -4344,18 +4330,12 @@
           <a:p>
             <a:fld id="{82C7A620-F616-47CF-8746-989DDFAEEDF2}" type="slidenum">
               <a:rPr lang="en-US" smtClean="0"/>
-              <a:t>‹#›</a:t>
             </a:fld>
             <a:endParaRPr lang="en-US"/>
           </a:p>
         </p:txBody>
       </p:sp>
     </p:spTree>
-    <p:extLst>
-      <p:ext uri="{BB962C8B-B14F-4D97-AF65-F5344CB8AC3E}">
-        <p14:creationId xmlns:p14="http://schemas.microsoft.com/office/powerpoint/2010/main" val="375095672"/>
-      </p:ext>
-    </p:extLst>
   </p:cSld>
   <p:clrMapOvr>
     <a:masterClrMapping/>
@@ -4545,6 +4525,7 @@
               <a:rPr lang="en-US" smtClean="0"/>
               <a:t>Edit Master text styles</a:t>
             </a:r>
+            <a:endParaRPr lang="en-US" smtClean="0"/>
           </a:p>
         </p:txBody>
       </p:sp>
@@ -4565,7 +4546,6 @@
           <a:p>
             <a:fld id="{382D7158-BCA9-47EA-AA9D-AC7B67B8BF8C}" type="datetimeFigureOut">
               <a:rPr lang="en-US" smtClean="0"/>
-              <a:t>11/8/2020</a:t>
             </a:fld>
             <a:endParaRPr lang="en-US"/>
           </a:p>
@@ -4607,18 +4587,12 @@
           <a:p>
             <a:fld id="{82C7A620-F616-47CF-8746-989DDFAEEDF2}" type="slidenum">
               <a:rPr lang="en-US" smtClean="0"/>
-              <a:t>‹#›</a:t>
             </a:fld>
             <a:endParaRPr lang="en-US"/>
           </a:p>
         </p:txBody>
       </p:sp>
     </p:spTree>
-    <p:extLst>
-      <p:ext uri="{BB962C8B-B14F-4D97-AF65-F5344CB8AC3E}">
-        <p14:creationId xmlns:p14="http://schemas.microsoft.com/office/powerpoint/2010/main" val="3298099538"/>
-      </p:ext>
-    </p:extLst>
   </p:cSld>
   <p:clrMapOvr>
     <a:masterClrMapping/>
@@ -5241,6 +5215,7 @@
               <a:rPr lang="en-US" smtClean="0"/>
               <a:t>Edit Master text styles</a:t>
             </a:r>
+            <a:endParaRPr lang="en-US" smtClean="0"/>
           </a:p>
           <a:p>
             <a:pPr lvl="1"/>
@@ -5248,6 +5223,7 @@
               <a:rPr lang="en-US" smtClean="0"/>
               <a:t>Second level</a:t>
             </a:r>
+            <a:endParaRPr lang="en-US" smtClean="0"/>
           </a:p>
           <a:p>
             <a:pPr lvl="2"/>
@@ -5255,6 +5231,7 @@
               <a:rPr lang="en-US" smtClean="0"/>
               <a:t>Third level</a:t>
             </a:r>
+            <a:endParaRPr lang="en-US" smtClean="0"/>
           </a:p>
           <a:p>
             <a:pPr lvl="3"/>
@@ -5262,6 +5239,7 @@
               <a:rPr lang="en-US" smtClean="0"/>
               <a:t>Fourth level</a:t>
             </a:r>
+            <a:endParaRPr lang="en-US" smtClean="0"/>
           </a:p>
           <a:p>
             <a:pPr lvl="4"/>
@@ -5308,7 +5286,6 @@
           <a:p>
             <a:fld id="{382D7158-BCA9-47EA-AA9D-AC7B67B8BF8C}" type="datetimeFigureOut">
               <a:rPr lang="en-US" smtClean="0"/>
-              <a:t>11/8/2020</a:t>
             </a:fld>
             <a:endParaRPr lang="en-US"/>
           </a:p>
@@ -5384,37 +5361,31 @@
           <a:p>
             <a:fld id="{82C7A620-F616-47CF-8746-989DDFAEEDF2}" type="slidenum">
               <a:rPr lang="en-US" smtClean="0"/>
-              <a:t>‹#›</a:t>
             </a:fld>
             <a:endParaRPr lang="en-US"/>
           </a:p>
         </p:txBody>
       </p:sp>
     </p:spTree>
-    <p:extLst>
-      <p:ext uri="{BB962C8B-B14F-4D97-AF65-F5344CB8AC3E}">
-        <p14:creationId xmlns:p14="http://schemas.microsoft.com/office/powerpoint/2010/main" val="3742486011"/>
-      </p:ext>
-    </p:extLst>
   </p:cSld>
   <p:clrMap bg1="lt1" tx1="dk1" bg2="lt2" tx2="dk2" accent1="accent1" accent2="accent2" accent3="accent3" accent4="accent4" accent5="accent5" accent6="accent6" hlink="hlink" folHlink="folHlink"/>
   <p:sldLayoutIdLst>
-    <p:sldLayoutId id="2147483679" r:id="rId1"/>
-    <p:sldLayoutId id="2147483680" r:id="rId2"/>
-    <p:sldLayoutId id="2147483681" r:id="rId3"/>
-    <p:sldLayoutId id="2147483682" r:id="rId4"/>
-    <p:sldLayoutId id="2147483683" r:id="rId5"/>
-    <p:sldLayoutId id="2147483684" r:id="rId6"/>
-    <p:sldLayoutId id="2147483685" r:id="rId7"/>
-    <p:sldLayoutId id="2147483686" r:id="rId8"/>
-    <p:sldLayoutId id="2147483687" r:id="rId9"/>
-    <p:sldLayoutId id="2147483688" r:id="rId10"/>
-    <p:sldLayoutId id="2147483689" r:id="rId11"/>
-    <p:sldLayoutId id="2147483690" r:id="rId12"/>
-    <p:sldLayoutId id="2147483691" r:id="rId13"/>
-    <p:sldLayoutId id="2147483692" r:id="rId14"/>
-    <p:sldLayoutId id="2147483693" r:id="rId15"/>
-    <p:sldLayoutId id="2147483694" r:id="rId16"/>
+    <p:sldLayoutId id="2147483649" r:id="rId1"/>
+    <p:sldLayoutId id="2147483650" r:id="rId2"/>
+    <p:sldLayoutId id="2147483651" r:id="rId3"/>
+    <p:sldLayoutId id="2147483652" r:id="rId4"/>
+    <p:sldLayoutId id="2147483653" r:id="rId5"/>
+    <p:sldLayoutId id="2147483654" r:id="rId6"/>
+    <p:sldLayoutId id="2147483655" r:id="rId7"/>
+    <p:sldLayoutId id="2147483656" r:id="rId8"/>
+    <p:sldLayoutId id="2147483657" r:id="rId9"/>
+    <p:sldLayoutId id="2147483658" r:id="rId10"/>
+    <p:sldLayoutId id="2147483659" r:id="rId11"/>
+    <p:sldLayoutId id="2147483660" r:id="rId12"/>
+    <p:sldLayoutId id="2147483661" r:id="rId13"/>
+    <p:sldLayoutId id="2147483662" r:id="rId14"/>
+    <p:sldLayoutId id="2147483663" r:id="rId15"/>
+    <p:sldLayoutId id="2147483664" r:id="rId16"/>
   </p:sldLayoutIdLst>
   <p:txStyles>
     <p:titleStyle>
@@ -5919,6 +5890,7 @@
               <a:rPr lang="en-US" smtClean="0"/>
               <a:t>Thành Viên: </a:t>
             </a:r>
+            <a:endParaRPr lang="en-US" smtClean="0"/>
           </a:p>
           <a:p>
             <a:r>
@@ -5929,6 +5901,7 @@
               <a:rPr lang="en-US" smtClean="0"/>
               <a:t>Đoàn Minh Trí</a:t>
             </a:r>
+            <a:endParaRPr lang="en-US" smtClean="0"/>
           </a:p>
           <a:p>
             <a:r>
@@ -5939,6 +5912,7 @@
               <a:rPr lang="en-US" smtClean="0"/>
               <a:t>Phạm Thế Hiển</a:t>
             </a:r>
+            <a:endParaRPr lang="en-US" smtClean="0"/>
           </a:p>
           <a:p>
             <a:r>
@@ -5958,11 +5932,6 @@
         </p:txBody>
       </p:sp>
     </p:spTree>
-    <p:extLst>
-      <p:ext uri="{BB962C8B-B14F-4D97-AF65-F5344CB8AC3E}">
-        <p14:creationId xmlns:p14="http://schemas.microsoft.com/office/powerpoint/2010/main" val="1065290083"/>
-      </p:ext>
-    </p:extLst>
   </p:cSld>
   <p:clrMapOvr>
     <a:masterClrMapping/>
@@ -5974,6 +5943,108 @@
       </p:par>
     </p:tnLst>
   </p:timing>
+</p:sld>
+</file>
+
+<file path=ppt/slides/slide10.xml><?xml version="1.0" encoding="utf-8"?>
+<p:sld xmlns:a="http://schemas.openxmlformats.org/drawingml/2006/main" xmlns:r="http://schemas.openxmlformats.org/officeDocument/2006/relationships" xmlns:p="http://schemas.openxmlformats.org/presentationml/2006/main">
+  <p:cSld>
+    <p:spTree>
+      <p:nvGrpSpPr>
+        <p:cNvPr id="1" name=""/>
+        <p:cNvGrpSpPr/>
+        <p:nvPr/>
+      </p:nvGrpSpPr>
+      <p:grpSpPr/>
+      <p:sp>
+        <p:nvSpPr>
+          <p:cNvPr id="2" name="Title 1"/>
+          <p:cNvSpPr>
+            <a:spLocks noGrp="1"/>
+          </p:cNvSpPr>
+          <p:nvPr>
+            <p:ph type="title"/>
+          </p:nvPr>
+        </p:nvSpPr>
+        <p:spPr/>
+        <p:txBody>
+          <a:bodyPr/>
+          <a:p>
+            <a:pPr algn="ctr"/>
+            <a:r>
+              <a:rPr lang="en-US"/>
+              <a:t>Kết quả đạt được</a:t>
+            </a:r>
+            <a:endParaRPr lang="en-US"/>
+          </a:p>
+        </p:txBody>
+      </p:sp>
+      <p:sp>
+        <p:nvSpPr>
+          <p:cNvPr id="3" name="Content Placeholder 2"/>
+          <p:cNvSpPr>
+            <a:spLocks noGrp="1"/>
+          </p:cNvSpPr>
+          <p:nvPr>
+            <p:ph idx="1"/>
+          </p:nvPr>
+        </p:nvSpPr>
+        <p:spPr/>
+        <p:txBody>
+          <a:bodyPr/>
+          <a:p>
+            <a:endParaRPr lang="en-US"/>
+          </a:p>
+        </p:txBody>
+      </p:sp>
+    </p:spTree>
+  </p:cSld>
+  <p:clrMapOvr>
+    <a:masterClrMapping/>
+  </p:clrMapOvr>
+</p:sld>
+</file>
+
+<file path=ppt/slides/slide11.xml><?xml version="1.0" encoding="utf-8"?>
+<p:sld xmlns:a="http://schemas.openxmlformats.org/drawingml/2006/main" xmlns:r="http://schemas.openxmlformats.org/officeDocument/2006/relationships" xmlns:p="http://schemas.openxmlformats.org/presentationml/2006/main">
+  <p:cSld>
+    <p:spTree>
+      <p:nvGrpSpPr>
+        <p:cNvPr id="1" name=""/>
+        <p:cNvGrpSpPr/>
+        <p:nvPr/>
+      </p:nvGrpSpPr>
+      <p:grpSpPr/>
+      <p:sp>
+        <p:nvSpPr>
+          <p:cNvPr id="2" name="Title 1"/>
+          <p:cNvSpPr>
+            <a:spLocks noGrp="1"/>
+          </p:cNvSpPr>
+          <p:nvPr>
+            <p:ph type="title"/>
+          </p:nvPr>
+        </p:nvSpPr>
+        <p:spPr/>
+        <p:txBody>
+          <a:bodyPr>
+            <a:noAutofit/>
+          </a:bodyPr>
+          <a:p>
+            <a:pPr algn="ctr"/>
+            <a:r>
+              <a:rPr lang="en-US" sz="4400"/>
+              <a:t>Cám ơn thầy và các bạn đã nghe bài thuyết trình của nhóm</a:t>
+            </a:r>
+            <a:endParaRPr lang="en-US" sz="4400"/>
+          </a:p>
+        </p:txBody>
+      </p:sp>
+    </p:spTree>
+  </p:cSld>
+  <p:clrMapOvr>
+    <a:masterClrMapping/>
+  </p:clrMapOvr>
 </p:sld>
 </file>
 
@@ -6034,7 +6105,7 @@
           </p:nvPr>
         </p:nvPicPr>
         <p:blipFill>
-          <a:blip r:embed="rId2"/>
+          <a:blip r:embed="rId1"/>
           <a:stretch>
             <a:fillRect/>
           </a:stretch>
@@ -6050,11 +6121,6 @@
         </p:spPr>
       </p:pic>
     </p:spTree>
-    <p:extLst>
-      <p:ext uri="{BB962C8B-B14F-4D97-AF65-F5344CB8AC3E}">
-        <p14:creationId xmlns:p14="http://schemas.microsoft.com/office/powerpoint/2010/main" val="3798240186"/>
-      </p:ext>
-    </p:extLst>
   </p:cSld>
   <p:clrMapOvr>
     <a:masterClrMapping/>
@@ -6120,7 +6186,7 @@
           </p:nvPr>
         </p:nvPicPr>
         <p:blipFill>
-          <a:blip r:embed="rId2"/>
+          <a:blip r:embed="rId1"/>
           <a:stretch>
             <a:fillRect/>
           </a:stretch>
@@ -6136,11 +6202,6 @@
         </p:spPr>
       </p:pic>
     </p:spTree>
-    <p:extLst>
-      <p:ext uri="{BB962C8B-B14F-4D97-AF65-F5344CB8AC3E}">
-        <p14:creationId xmlns:p14="http://schemas.microsoft.com/office/powerpoint/2010/main" val="3952949177"/>
-      </p:ext>
-    </p:extLst>
   </p:cSld>
   <p:clrMapOvr>
     <a:masterClrMapping/>
@@ -6217,7 +6278,7 @@
           </p:nvPr>
         </p:nvPicPr>
         <p:blipFill>
-          <a:blip r:embed="rId2"/>
+          <a:blip r:embed="rId1"/>
           <a:stretch>
             <a:fillRect/>
           </a:stretch>
@@ -6233,11 +6294,6 @@
         </p:spPr>
       </p:pic>
     </p:spTree>
-    <p:extLst>
-      <p:ext uri="{BB962C8B-B14F-4D97-AF65-F5344CB8AC3E}">
-        <p14:creationId xmlns:p14="http://schemas.microsoft.com/office/powerpoint/2010/main" val="42612277"/>
-      </p:ext>
-    </p:extLst>
   </p:cSld>
   <p:clrMapOvr>
     <a:masterClrMapping/>
@@ -6306,7 +6362,7 @@
           </p:nvPr>
         </p:nvPicPr>
         <p:blipFill>
-          <a:blip r:embed="rId2"/>
+          <a:blip r:embed="rId1"/>
           <a:stretch>
             <a:fillRect/>
           </a:stretch>
@@ -6322,11 +6378,6 @@
         </p:spPr>
       </p:pic>
     </p:spTree>
-    <p:extLst>
-      <p:ext uri="{BB962C8B-B14F-4D97-AF65-F5344CB8AC3E}">
-        <p14:creationId xmlns:p14="http://schemas.microsoft.com/office/powerpoint/2010/main" val="624664543"/>
-      </p:ext>
-    </p:extLst>
   </p:cSld>
   <p:clrMapOvr>
     <a:masterClrMapping/>
@@ -6396,7 +6447,7 @@
           </p:nvPr>
         </p:nvPicPr>
         <p:blipFill>
-          <a:blip r:embed="rId2"/>
+          <a:blip r:embed="rId1"/>
           <a:stretch>
             <a:fillRect/>
           </a:stretch>
@@ -6412,11 +6463,6 @@
         </p:spPr>
       </p:pic>
     </p:spTree>
-    <p:extLst>
-      <p:ext uri="{BB962C8B-B14F-4D97-AF65-F5344CB8AC3E}">
-        <p14:creationId xmlns:p14="http://schemas.microsoft.com/office/powerpoint/2010/main" val="3728701158"/>
-      </p:ext>
-    </p:extLst>
   </p:cSld>
   <p:clrMapOvr>
     <a:masterClrMapping/>
@@ -6482,7 +6528,7 @@
           </p:nvPr>
         </p:nvPicPr>
         <p:blipFill>
-          <a:blip r:embed="rId2"/>
+          <a:blip r:embed="rId1"/>
           <a:stretch>
             <a:fillRect/>
           </a:stretch>
@@ -6498,11 +6544,6 @@
         </p:spPr>
       </p:pic>
     </p:spTree>
-    <p:extLst>
-      <p:ext uri="{BB962C8B-B14F-4D97-AF65-F5344CB8AC3E}">
-        <p14:creationId xmlns:p14="http://schemas.microsoft.com/office/powerpoint/2010/main" val="489019947"/>
-      </p:ext>
-    </p:extLst>
   </p:cSld>
   <p:clrMapOvr>
     <a:masterClrMapping/>
@@ -6568,7 +6609,7 @@
           </p:nvPr>
         </p:nvPicPr>
         <p:blipFill>
-          <a:blip r:embed="rId2"/>
+          <a:blip r:embed="rId1"/>
           <a:stretch>
             <a:fillRect/>
           </a:stretch>
@@ -6584,11 +6625,6 @@
         </p:spPr>
       </p:pic>
     </p:spTree>
-    <p:extLst>
-      <p:ext uri="{BB962C8B-B14F-4D97-AF65-F5344CB8AC3E}">
-        <p14:creationId xmlns:p14="http://schemas.microsoft.com/office/powerpoint/2010/main" val="2804144115"/>
-      </p:ext>
-    </p:extLst>
   </p:cSld>
   <p:clrMapOvr>
     <a:masterClrMapping/>
@@ -6654,7 +6690,7 @@
           </p:nvPr>
         </p:nvPicPr>
         <p:blipFill>
-          <a:blip r:embed="rId2"/>
+          <a:blip r:embed="rId1"/>
           <a:stretch>
             <a:fillRect/>
           </a:stretch>
@@ -6670,11 +6706,6 @@
         </p:spPr>
       </p:pic>
     </p:spTree>
-    <p:extLst>
-      <p:ext uri="{BB962C8B-B14F-4D97-AF65-F5344CB8AC3E}">
-        <p14:creationId xmlns:p14="http://schemas.microsoft.com/office/powerpoint/2010/main" val="3268469188"/>
-      </p:ext>
-    </p:extLst>
   </p:cSld>
   <p:clrMapOvr>
     <a:masterClrMapping/>
@@ -6732,7 +6763,7 @@
     </a:clrScheme>
     <a:fontScheme name="Franklin Gothic">
       <a:majorFont>
-        <a:latin typeface="Franklin Gothic Medium" panose="020B0603020102020204"/>
+        <a:latin typeface="Franklin Gothic Medium"/>
         <a:ea typeface=""/>
         <a:cs typeface=""/>
         <a:font script="Jpan" typeface="HG創英角ｺﾞｼｯｸUB"/>
@@ -6767,7 +6798,7 @@
         <a:font script="Geor" typeface="Sylfaen"/>
       </a:majorFont>
       <a:minorFont>
-        <a:latin typeface="Franklin Gothic Book" panose="020B0503020102020204"/>
+        <a:latin typeface="Franklin Gothic Book"/>
         <a:ea typeface=""/>
         <a:cs typeface=""/>
         <a:font script="Jpan" typeface="HGｺﾞｼｯｸE"/>
@@ -6943,11 +6974,9 @@
       </a:bgFillStyleLst>
     </a:fmtScheme>
   </a:themeElements>
-  <a:objectDefaults/>
-  <a:extraClrSchemeLst/>
   <a:extLst>
     <a:ext uri="{05A4C25C-085E-4340-85A3-A5531E510DB2}">
-      <thm15:themeFamily xmlns:thm15="http://schemas.microsoft.com/office/thememl/2012/main" name="Facet" id="{C0C680CD-088A-49FC-A102-D699147F32B2}" vid="{CFBC31BA-B70F-4F30-BCAA-4F3011E16C4D}"/>
+      <thm15:themeFamily xmlns:thm15="http://schemas.microsoft.com/office/thememl/2012/main" name="Office Theme" id="{62F939B6-93AF-4DB8-9C6B-D6C7DFDC589F}" vid="{4A3C46E8-61CC-4603-A589-7422A47A8E4A}"/>
     </a:ext>
   </a:extLst>
 </a:theme>

--- a/update ban cuoi/Nhom-17.pptx
+++ b/update ban cuoi/Nhom-17.pptx
@@ -5,17 +5,15 @@
     <p:sldMasterId id="2147483648" r:id="rId1"/>
   </p:sldMasterIdLst>
   <p:sldIdLst>
-    <p:sldId id="256" r:id="rId3"/>
-    <p:sldId id="257" r:id="rId4"/>
-    <p:sldId id="262" r:id="rId5"/>
-    <p:sldId id="258" r:id="rId6"/>
-    <p:sldId id="259" r:id="rId7"/>
-    <p:sldId id="264" r:id="rId8"/>
-    <p:sldId id="260" r:id="rId9"/>
-    <p:sldId id="263" r:id="rId10"/>
-    <p:sldId id="261" r:id="rId11"/>
-    <p:sldId id="271" r:id="rId12"/>
-    <p:sldId id="269" r:id="rId13"/>
+    <p:sldId id="256" r:id="rId2"/>
+    <p:sldId id="257" r:id="rId3"/>
+    <p:sldId id="262" r:id="rId4"/>
+    <p:sldId id="258" r:id="rId5"/>
+    <p:sldId id="259" r:id="rId6"/>
+    <p:sldId id="264" r:id="rId7"/>
+    <p:sldId id="260" r:id="rId8"/>
+    <p:sldId id="263" r:id="rId9"/>
+    <p:sldId id="261" r:id="rId10"/>
   </p:sldIdLst>
   <p:sldSz cx="12192000" cy="6858000"/>
   <p:notesSz cx="6858000" cy="9144000"/>
@@ -114,11 +112,16 @@
       </a:defRPr>
     </a:lvl9pPr>
   </p:defaultTextStyle>
+  <p:extLst>
+    <p:ext uri="{EFAFB233-063F-42B5-8137-9DF3F51BA10A}">
+      <p15:sldGuideLst xmlns:p15="http://schemas.microsoft.com/office/powerpoint/2012/main"/>
+    </p:ext>
+  </p:extLst>
 </p:presentation>
 </file>
 
 <file path=ppt/slideLayouts/slideLayout1.xml><?xml version="1.0" encoding="utf-8"?>
-<p:sldLayout xmlns:a="http://schemas.openxmlformats.org/drawingml/2006/main" xmlns:r="http://schemas.openxmlformats.org/officeDocument/2006/relationships" xmlns:p="http://schemas.openxmlformats.org/presentationml/2006/main" type="title" preserve="1" showMasterSp="0">
+<p:sldLayout xmlns:a="http://schemas.openxmlformats.org/drawingml/2006/main" xmlns:r="http://schemas.openxmlformats.org/officeDocument/2006/relationships" xmlns:p="http://schemas.openxmlformats.org/presentationml/2006/main" showMasterSp="0" type="title" preserve="1">
   <p:cSld name="Title Slide">
     <p:spTree>
       <p:nvGrpSpPr>
@@ -839,6 +842,7 @@
           <a:p>
             <a:fld id="{382D7158-BCA9-47EA-AA9D-AC7B67B8BF8C}" type="datetimeFigureOut">
               <a:rPr lang="en-US" smtClean="0"/>
+              <a:t>12/8/2020</a:t>
             </a:fld>
             <a:endParaRPr lang="en-US"/>
           </a:p>
@@ -880,6 +884,7 @@
           <a:p>
             <a:fld id="{82C7A620-F616-47CF-8746-989DDFAEEDF2}" type="slidenum">
               <a:rPr lang="en-US" smtClean="0"/>
+              <a:t>‹#›</a:t>
             </a:fld>
             <a:endParaRPr lang="en-US"/>
           </a:p>
@@ -1063,7 +1068,6 @@
               <a:rPr lang="en-US" smtClean="0"/>
               <a:t>Edit Master text styles</a:t>
             </a:r>
-            <a:endParaRPr lang="en-US" smtClean="0"/>
           </a:p>
         </p:txBody>
       </p:sp>
@@ -1084,6 +1088,7 @@
           <a:p>
             <a:fld id="{382D7158-BCA9-47EA-AA9D-AC7B67B8BF8C}" type="datetimeFigureOut">
               <a:rPr lang="en-US" smtClean="0"/>
+              <a:t>12/8/2020</a:t>
             </a:fld>
             <a:endParaRPr lang="en-US"/>
           </a:p>
@@ -1125,6 +1130,7 @@
           <a:p>
             <a:fld id="{82C7A620-F616-47CF-8746-989DDFAEEDF2}" type="slidenum">
               <a:rPr lang="en-US" smtClean="0"/>
+              <a:t>‹#›</a:t>
             </a:fld>
             <a:endParaRPr lang="en-US"/>
           </a:p>
@@ -1249,7 +1255,6 @@
               <a:rPr lang="en-US" smtClean="0"/>
               <a:t>Edit Master text styles</a:t>
             </a:r>
-            <a:endParaRPr lang="en-US" smtClean="0"/>
           </a:p>
         </p:txBody>
       </p:sp>
@@ -1372,7 +1377,6 @@
               <a:rPr lang="en-US" smtClean="0"/>
               <a:t>Edit Master text styles</a:t>
             </a:r>
-            <a:endParaRPr lang="en-US" smtClean="0"/>
           </a:p>
         </p:txBody>
       </p:sp>
@@ -1393,6 +1397,7 @@
           <a:p>
             <a:fld id="{382D7158-BCA9-47EA-AA9D-AC7B67B8BF8C}" type="datetimeFigureOut">
               <a:rPr lang="en-US" smtClean="0"/>
+              <a:t>12/8/2020</a:t>
             </a:fld>
             <a:endParaRPr lang="en-US"/>
           </a:p>
@@ -1434,6 +1439,7 @@
           <a:p>
             <a:fld id="{82C7A620-F616-47CF-8746-989DDFAEEDF2}" type="slidenum">
               <a:rPr lang="en-US" smtClean="0"/>
+              <a:t>‹#›</a:t>
             </a:fld>
             <a:endParaRPr lang="en-US"/>
           </a:p>
@@ -1477,19 +1483,6 @@
               </a:rPr>
               <a:t>“</a:t>
             </a:r>
-            <a:endParaRPr lang="en-US" sz="8000" baseline="0" dirty="0">
-              <a:ln w="3175" cmpd="sng">
-                <a:noFill/>
-              </a:ln>
-              <a:solidFill>
-                <a:schemeClr val="accent1">
-                  <a:lumMod val="60000"/>
-                  <a:lumOff val="40000"/>
-                </a:schemeClr>
-              </a:solidFill>
-              <a:effectLst/>
-              <a:latin typeface="Arial" panose="020B0604020202020204"/>
-            </a:endParaRPr>
           </a:p>
         </p:txBody>
       </p:sp>
@@ -1720,7 +1713,6 @@
               <a:rPr lang="en-US" smtClean="0"/>
               <a:t>Edit Master text styles</a:t>
             </a:r>
-            <a:endParaRPr lang="en-US" smtClean="0"/>
           </a:p>
         </p:txBody>
       </p:sp>
@@ -1741,6 +1733,7 @@
           <a:p>
             <a:fld id="{382D7158-BCA9-47EA-AA9D-AC7B67B8BF8C}" type="datetimeFigureOut">
               <a:rPr lang="en-US" smtClean="0"/>
+              <a:t>12/8/2020</a:t>
             </a:fld>
             <a:endParaRPr lang="en-US"/>
           </a:p>
@@ -1782,6 +1775,7 @@
           <a:p>
             <a:fld id="{82C7A620-F616-47CF-8746-989DDFAEEDF2}" type="slidenum">
               <a:rPr lang="en-US" smtClean="0"/>
+              <a:t>‹#›</a:t>
             </a:fld>
             <a:endParaRPr lang="en-US"/>
           </a:p>
@@ -1906,7 +1900,6 @@
               <a:rPr lang="en-US" smtClean="0"/>
               <a:t>Edit Master text styles</a:t>
             </a:r>
-            <a:endParaRPr lang="en-US" smtClean="0"/>
           </a:p>
         </p:txBody>
       </p:sp>
@@ -2029,7 +2022,6 @@
               <a:rPr lang="en-US" smtClean="0"/>
               <a:t>Edit Master text styles</a:t>
             </a:r>
-            <a:endParaRPr lang="en-US" smtClean="0"/>
           </a:p>
         </p:txBody>
       </p:sp>
@@ -2050,6 +2042,7 @@
           <a:p>
             <a:fld id="{382D7158-BCA9-47EA-AA9D-AC7B67B8BF8C}" type="datetimeFigureOut">
               <a:rPr lang="en-US" smtClean="0"/>
+              <a:t>12/8/2020</a:t>
             </a:fld>
             <a:endParaRPr lang="en-US"/>
           </a:p>
@@ -2091,6 +2084,7 @@
           <a:p>
             <a:fld id="{82C7A620-F616-47CF-8746-989DDFAEEDF2}" type="slidenum">
               <a:rPr lang="en-US" smtClean="0"/>
+              <a:t>‹#›</a:t>
             </a:fld>
             <a:endParaRPr lang="en-US"/>
           </a:p>
@@ -2134,19 +2128,6 @@
               </a:rPr>
               <a:t>“</a:t>
             </a:r>
-            <a:endParaRPr lang="en-US" sz="8000" baseline="0" dirty="0">
-              <a:ln w="3175" cmpd="sng">
-                <a:noFill/>
-              </a:ln>
-              <a:solidFill>
-                <a:schemeClr val="accent1">
-                  <a:lumMod val="60000"/>
-                  <a:lumOff val="40000"/>
-                </a:schemeClr>
-              </a:solidFill>
-              <a:effectLst/>
-              <a:latin typeface="Arial" panose="020B0604020202020204"/>
-            </a:endParaRPr>
           </a:p>
         </p:txBody>
       </p:sp>
@@ -2188,19 +2169,6 @@
               </a:rPr>
               <a:t>”</a:t>
             </a:r>
-            <a:endParaRPr lang="en-US" sz="8000" baseline="0" dirty="0">
-              <a:ln w="3175" cmpd="sng">
-                <a:noFill/>
-              </a:ln>
-              <a:solidFill>
-                <a:schemeClr val="accent1">
-                  <a:lumMod val="60000"/>
-                  <a:lumOff val="40000"/>
-                </a:schemeClr>
-              </a:solidFill>
-              <a:effectLst/>
-              <a:latin typeface="Arial" panose="020B0604020202020204"/>
-            </a:endParaRPr>
           </a:p>
         </p:txBody>
       </p:sp>
@@ -2320,7 +2288,6 @@
               <a:rPr lang="en-US" smtClean="0"/>
               <a:t>Edit Master text styles</a:t>
             </a:r>
-            <a:endParaRPr lang="en-US" smtClean="0"/>
           </a:p>
         </p:txBody>
       </p:sp>
@@ -2443,7 +2410,6 @@
               <a:rPr lang="en-US" smtClean="0"/>
               <a:t>Edit Master text styles</a:t>
             </a:r>
-            <a:endParaRPr lang="en-US" smtClean="0"/>
           </a:p>
         </p:txBody>
       </p:sp>
@@ -2464,6 +2430,7 @@
           <a:p>
             <a:fld id="{382D7158-BCA9-47EA-AA9D-AC7B67B8BF8C}" type="datetimeFigureOut">
               <a:rPr lang="en-US" smtClean="0"/>
+              <a:t>12/8/2020</a:t>
             </a:fld>
             <a:endParaRPr lang="en-US"/>
           </a:p>
@@ -2505,6 +2472,7 @@
           <a:p>
             <a:fld id="{82C7A620-F616-47CF-8746-989DDFAEEDF2}" type="slidenum">
               <a:rPr lang="en-US" smtClean="0"/>
+              <a:t>‹#›</a:t>
             </a:fld>
             <a:endParaRPr lang="en-US"/>
           </a:p>
@@ -2578,7 +2546,6 @@
               <a:rPr lang="en-US" smtClean="0"/>
               <a:t>Edit Master text styles</a:t>
             </a:r>
-            <a:endParaRPr lang="en-US" smtClean="0"/>
           </a:p>
           <a:p>
             <a:pPr lvl="1"/>
@@ -2586,7 +2553,6 @@
               <a:rPr lang="en-US" smtClean="0"/>
               <a:t>Second level</a:t>
             </a:r>
-            <a:endParaRPr lang="en-US" smtClean="0"/>
           </a:p>
           <a:p>
             <a:pPr lvl="2"/>
@@ -2594,7 +2560,6 @@
               <a:rPr lang="en-US" smtClean="0"/>
               <a:t>Third level</a:t>
             </a:r>
-            <a:endParaRPr lang="en-US" smtClean="0"/>
           </a:p>
           <a:p>
             <a:pPr lvl="3"/>
@@ -2602,7 +2567,6 @@
               <a:rPr lang="en-US" smtClean="0"/>
               <a:t>Fourth level</a:t>
             </a:r>
-            <a:endParaRPr lang="en-US" smtClean="0"/>
           </a:p>
           <a:p>
             <a:pPr lvl="4"/>
@@ -2631,6 +2595,7 @@
           <a:p>
             <a:fld id="{382D7158-BCA9-47EA-AA9D-AC7B67B8BF8C}" type="datetimeFigureOut">
               <a:rPr lang="en-US" smtClean="0"/>
+              <a:t>12/8/2020</a:t>
             </a:fld>
             <a:endParaRPr lang="en-US"/>
           </a:p>
@@ -2672,6 +2637,7 @@
           <a:p>
             <a:fld id="{82C7A620-F616-47CF-8746-989DDFAEEDF2}" type="slidenum">
               <a:rPr lang="en-US" smtClean="0"/>
+              <a:t>‹#›</a:t>
             </a:fld>
             <a:endParaRPr lang="en-US"/>
           </a:p>
@@ -2755,7 +2721,6 @@
               <a:rPr lang="en-US" smtClean="0"/>
               <a:t>Edit Master text styles</a:t>
             </a:r>
-            <a:endParaRPr lang="en-US" smtClean="0"/>
           </a:p>
           <a:p>
             <a:pPr lvl="1"/>
@@ -2763,7 +2728,6 @@
               <a:rPr lang="en-US" smtClean="0"/>
               <a:t>Second level</a:t>
             </a:r>
-            <a:endParaRPr lang="en-US" smtClean="0"/>
           </a:p>
           <a:p>
             <a:pPr lvl="2"/>
@@ -2771,7 +2735,6 @@
               <a:rPr lang="en-US" smtClean="0"/>
               <a:t>Third level</a:t>
             </a:r>
-            <a:endParaRPr lang="en-US" smtClean="0"/>
           </a:p>
           <a:p>
             <a:pPr lvl="3"/>
@@ -2779,7 +2742,6 @@
               <a:rPr lang="en-US" smtClean="0"/>
               <a:t>Fourth level</a:t>
             </a:r>
-            <a:endParaRPr lang="en-US" smtClean="0"/>
           </a:p>
           <a:p>
             <a:pPr lvl="4"/>
@@ -2808,6 +2770,7 @@
           <a:p>
             <a:fld id="{382D7158-BCA9-47EA-AA9D-AC7B67B8BF8C}" type="datetimeFigureOut">
               <a:rPr lang="en-US" smtClean="0"/>
+              <a:t>12/8/2020</a:t>
             </a:fld>
             <a:endParaRPr lang="en-US"/>
           </a:p>
@@ -2849,6 +2812,7 @@
           <a:p>
             <a:fld id="{82C7A620-F616-47CF-8746-989DDFAEEDF2}" type="slidenum">
               <a:rPr lang="en-US" smtClean="0"/>
+              <a:t>‹#›</a:t>
             </a:fld>
             <a:endParaRPr lang="en-US"/>
           </a:p>
@@ -2928,7 +2892,6 @@
               <a:rPr lang="en-US" smtClean="0"/>
               <a:t>Edit Master text styles</a:t>
             </a:r>
-            <a:endParaRPr lang="en-US" smtClean="0"/>
           </a:p>
           <a:p>
             <a:pPr lvl="1"/>
@@ -2936,7 +2899,6 @@
               <a:rPr lang="en-US" smtClean="0"/>
               <a:t>Second level</a:t>
             </a:r>
-            <a:endParaRPr lang="en-US" smtClean="0"/>
           </a:p>
           <a:p>
             <a:pPr lvl="2"/>
@@ -2944,7 +2906,6 @@
               <a:rPr lang="en-US" smtClean="0"/>
               <a:t>Third level</a:t>
             </a:r>
-            <a:endParaRPr lang="en-US" smtClean="0"/>
           </a:p>
           <a:p>
             <a:pPr lvl="3"/>
@@ -2952,7 +2913,6 @@
               <a:rPr lang="en-US" smtClean="0"/>
               <a:t>Fourth level</a:t>
             </a:r>
-            <a:endParaRPr lang="en-US" smtClean="0"/>
           </a:p>
           <a:p>
             <a:pPr lvl="4"/>
@@ -2981,6 +2941,7 @@
           <a:p>
             <a:fld id="{382D7158-BCA9-47EA-AA9D-AC7B67B8BF8C}" type="datetimeFigureOut">
               <a:rPr lang="en-US" smtClean="0"/>
+              <a:t>12/8/2020</a:t>
             </a:fld>
             <a:endParaRPr lang="en-US"/>
           </a:p>
@@ -3022,6 +2983,7 @@
           <a:p>
             <a:fld id="{82C7A620-F616-47CF-8746-989DDFAEEDF2}" type="slidenum">
               <a:rPr lang="en-US" smtClean="0"/>
+              <a:t>‹#›</a:t>
             </a:fld>
             <a:endParaRPr lang="en-US"/>
           </a:p>
@@ -3201,7 +3163,6 @@
               <a:rPr lang="en-US" smtClean="0"/>
               <a:t>Edit Master text styles</a:t>
             </a:r>
-            <a:endParaRPr lang="en-US" smtClean="0"/>
           </a:p>
         </p:txBody>
       </p:sp>
@@ -3222,6 +3183,7 @@
           <a:p>
             <a:fld id="{382D7158-BCA9-47EA-AA9D-AC7B67B8BF8C}" type="datetimeFigureOut">
               <a:rPr lang="en-US" smtClean="0"/>
+              <a:t>12/8/2020</a:t>
             </a:fld>
             <a:endParaRPr lang="en-US"/>
           </a:p>
@@ -3263,6 +3225,7 @@
           <a:p>
             <a:fld id="{82C7A620-F616-47CF-8746-989DDFAEEDF2}" type="slidenum">
               <a:rPr lang="en-US" smtClean="0"/>
+              <a:t>‹#›</a:t>
             </a:fld>
             <a:endParaRPr lang="en-US"/>
           </a:p>
@@ -3341,7 +3304,6 @@
               <a:rPr lang="en-US" smtClean="0"/>
               <a:t>Edit Master text styles</a:t>
             </a:r>
-            <a:endParaRPr lang="en-US" smtClean="0"/>
           </a:p>
           <a:p>
             <a:pPr lvl="1"/>
@@ -3349,7 +3311,6 @@
               <a:rPr lang="en-US" smtClean="0"/>
               <a:t>Second level</a:t>
             </a:r>
-            <a:endParaRPr lang="en-US" smtClean="0"/>
           </a:p>
           <a:p>
             <a:pPr lvl="2"/>
@@ -3357,7 +3318,6 @@
               <a:rPr lang="en-US" smtClean="0"/>
               <a:t>Third level</a:t>
             </a:r>
-            <a:endParaRPr lang="en-US" smtClean="0"/>
           </a:p>
           <a:p>
             <a:pPr lvl="3"/>
@@ -3365,7 +3325,6 @@
               <a:rPr lang="en-US" smtClean="0"/>
               <a:t>Fourth level</a:t>
             </a:r>
-            <a:endParaRPr lang="en-US" smtClean="0"/>
           </a:p>
           <a:p>
             <a:pPr lvl="4"/>
@@ -3402,7 +3361,6 @@
               <a:rPr lang="en-US" smtClean="0"/>
               <a:t>Edit Master text styles</a:t>
             </a:r>
-            <a:endParaRPr lang="en-US" smtClean="0"/>
           </a:p>
           <a:p>
             <a:pPr lvl="1"/>
@@ -3410,7 +3368,6 @@
               <a:rPr lang="en-US" smtClean="0"/>
               <a:t>Second level</a:t>
             </a:r>
-            <a:endParaRPr lang="en-US" smtClean="0"/>
           </a:p>
           <a:p>
             <a:pPr lvl="2"/>
@@ -3418,7 +3375,6 @@
               <a:rPr lang="en-US" smtClean="0"/>
               <a:t>Third level</a:t>
             </a:r>
-            <a:endParaRPr lang="en-US" smtClean="0"/>
           </a:p>
           <a:p>
             <a:pPr lvl="3"/>
@@ -3426,7 +3382,6 @@
               <a:rPr lang="en-US" smtClean="0"/>
               <a:t>Fourth level</a:t>
             </a:r>
-            <a:endParaRPr lang="en-US" smtClean="0"/>
           </a:p>
           <a:p>
             <a:pPr lvl="4"/>
@@ -3455,6 +3410,7 @@
           <a:p>
             <a:fld id="{382D7158-BCA9-47EA-AA9D-AC7B67B8BF8C}" type="datetimeFigureOut">
               <a:rPr lang="en-US" smtClean="0"/>
+              <a:t>12/8/2020</a:t>
             </a:fld>
             <a:endParaRPr lang="en-US"/>
           </a:p>
@@ -3496,6 +3452,7 @@
           <a:p>
             <a:fld id="{82C7A620-F616-47CF-8746-989DDFAEEDF2}" type="slidenum">
               <a:rPr lang="en-US" smtClean="0"/>
+              <a:t>‹#›</a:t>
             </a:fld>
             <a:endParaRPr lang="en-US"/>
           </a:p>
@@ -3617,7 +3574,6 @@
               <a:rPr lang="en-US" smtClean="0"/>
               <a:t>Edit Master text styles</a:t>
             </a:r>
-            <a:endParaRPr lang="en-US" smtClean="0"/>
           </a:p>
         </p:txBody>
       </p:sp>
@@ -3648,7 +3604,6 @@
               <a:rPr lang="en-US" smtClean="0"/>
               <a:t>Edit Master text styles</a:t>
             </a:r>
-            <a:endParaRPr lang="en-US" smtClean="0"/>
           </a:p>
           <a:p>
             <a:pPr lvl="1"/>
@@ -3656,7 +3611,6 @@
               <a:rPr lang="en-US" smtClean="0"/>
               <a:t>Second level</a:t>
             </a:r>
-            <a:endParaRPr lang="en-US" smtClean="0"/>
           </a:p>
           <a:p>
             <a:pPr lvl="2"/>
@@ -3664,7 +3618,6 @@
               <a:rPr lang="en-US" smtClean="0"/>
               <a:t>Third level</a:t>
             </a:r>
-            <a:endParaRPr lang="en-US" smtClean="0"/>
           </a:p>
           <a:p>
             <a:pPr lvl="3"/>
@@ -3672,7 +3625,6 @@
               <a:rPr lang="en-US" smtClean="0"/>
               <a:t>Fourth level</a:t>
             </a:r>
-            <a:endParaRPr lang="en-US" smtClean="0"/>
           </a:p>
           <a:p>
             <a:pPr lvl="4"/>
@@ -3748,7 +3700,6 @@
               <a:rPr lang="en-US" smtClean="0"/>
               <a:t>Edit Master text styles</a:t>
             </a:r>
-            <a:endParaRPr lang="en-US" smtClean="0"/>
           </a:p>
         </p:txBody>
       </p:sp>
@@ -3779,7 +3730,6 @@
               <a:rPr lang="en-US" smtClean="0"/>
               <a:t>Edit Master text styles</a:t>
             </a:r>
-            <a:endParaRPr lang="en-US" smtClean="0"/>
           </a:p>
           <a:p>
             <a:pPr lvl="1"/>
@@ -3787,7 +3737,6 @@
               <a:rPr lang="en-US" smtClean="0"/>
               <a:t>Second level</a:t>
             </a:r>
-            <a:endParaRPr lang="en-US" smtClean="0"/>
           </a:p>
           <a:p>
             <a:pPr lvl="2"/>
@@ -3795,7 +3744,6 @@
               <a:rPr lang="en-US" smtClean="0"/>
               <a:t>Third level</a:t>
             </a:r>
-            <a:endParaRPr lang="en-US" smtClean="0"/>
           </a:p>
           <a:p>
             <a:pPr lvl="3"/>
@@ -3803,7 +3751,6 @@
               <a:rPr lang="en-US" smtClean="0"/>
               <a:t>Fourth level</a:t>
             </a:r>
-            <a:endParaRPr lang="en-US" smtClean="0"/>
           </a:p>
           <a:p>
             <a:pPr lvl="4"/>
@@ -3832,6 +3779,7 @@
           <a:p>
             <a:fld id="{382D7158-BCA9-47EA-AA9D-AC7B67B8BF8C}" type="datetimeFigureOut">
               <a:rPr lang="en-US" smtClean="0"/>
+              <a:t>12/8/2020</a:t>
             </a:fld>
             <a:endParaRPr lang="en-US"/>
           </a:p>
@@ -3873,6 +3821,7 @@
           <a:p>
             <a:fld id="{82C7A620-F616-47CF-8746-989DDFAEEDF2}" type="slidenum">
               <a:rPr lang="en-US" smtClean="0"/>
+              <a:t>‹#›</a:t>
             </a:fld>
             <a:endParaRPr lang="en-US"/>
           </a:p>
@@ -3948,6 +3897,7 @@
           <a:p>
             <a:fld id="{382D7158-BCA9-47EA-AA9D-AC7B67B8BF8C}" type="datetimeFigureOut">
               <a:rPr lang="en-US" smtClean="0"/>
+              <a:t>12/8/2020</a:t>
             </a:fld>
             <a:endParaRPr lang="en-US"/>
           </a:p>
@@ -3989,6 +3939,7 @@
           <a:p>
             <a:fld id="{82C7A620-F616-47CF-8746-989DDFAEEDF2}" type="slidenum">
               <a:rPr lang="en-US" smtClean="0"/>
+              <a:t>‹#›</a:t>
             </a:fld>
             <a:endParaRPr lang="en-US"/>
           </a:p>
@@ -4036,6 +3987,7 @@
           <a:p>
             <a:fld id="{382D7158-BCA9-47EA-AA9D-AC7B67B8BF8C}" type="datetimeFigureOut">
               <a:rPr lang="en-US" smtClean="0"/>
+              <a:t>12/8/2020</a:t>
             </a:fld>
             <a:endParaRPr lang="en-US"/>
           </a:p>
@@ -4077,6 +4029,7 @@
           <a:p>
             <a:fld id="{82C7A620-F616-47CF-8746-989DDFAEEDF2}" type="slidenum">
               <a:rPr lang="en-US" smtClean="0"/>
+              <a:t>‹#›</a:t>
             </a:fld>
             <a:endParaRPr lang="en-US"/>
           </a:p>
@@ -4168,7 +4121,6 @@
               <a:rPr lang="en-US" smtClean="0"/>
               <a:t>Edit Master text styles</a:t>
             </a:r>
-            <a:endParaRPr lang="en-US" smtClean="0"/>
           </a:p>
           <a:p>
             <a:pPr lvl="1"/>
@@ -4176,7 +4128,6 @@
               <a:rPr lang="en-US" smtClean="0"/>
               <a:t>Second level</a:t>
             </a:r>
-            <a:endParaRPr lang="en-US" smtClean="0"/>
           </a:p>
           <a:p>
             <a:pPr lvl="2"/>
@@ -4184,7 +4135,6 @@
               <a:rPr lang="en-US" smtClean="0"/>
               <a:t>Third level</a:t>
             </a:r>
-            <a:endParaRPr lang="en-US" smtClean="0"/>
           </a:p>
           <a:p>
             <a:pPr lvl="3"/>
@@ -4192,7 +4142,6 @@
               <a:rPr lang="en-US" smtClean="0"/>
               <a:t>Fourth level</a:t>
             </a:r>
-            <a:endParaRPr lang="en-US" smtClean="0"/>
           </a:p>
           <a:p>
             <a:pPr lvl="4"/>
@@ -4268,7 +4217,6 @@
               <a:rPr lang="en-US" smtClean="0"/>
               <a:t>Edit Master text styles</a:t>
             </a:r>
-            <a:endParaRPr lang="en-US" smtClean="0"/>
           </a:p>
         </p:txBody>
       </p:sp>
@@ -4289,6 +4237,7 @@
           <a:p>
             <a:fld id="{382D7158-BCA9-47EA-AA9D-AC7B67B8BF8C}" type="datetimeFigureOut">
               <a:rPr lang="en-US" smtClean="0"/>
+              <a:t>12/8/2020</a:t>
             </a:fld>
             <a:endParaRPr lang="en-US"/>
           </a:p>
@@ -4330,6 +4279,7 @@
           <a:p>
             <a:fld id="{82C7A620-F616-47CF-8746-989DDFAEEDF2}" type="slidenum">
               <a:rPr lang="en-US" smtClean="0"/>
+              <a:t>‹#›</a:t>
             </a:fld>
             <a:endParaRPr lang="en-US"/>
           </a:p>
@@ -4525,7 +4475,6 @@
               <a:rPr lang="en-US" smtClean="0"/>
               <a:t>Edit Master text styles</a:t>
             </a:r>
-            <a:endParaRPr lang="en-US" smtClean="0"/>
           </a:p>
         </p:txBody>
       </p:sp>
@@ -4546,6 +4495,7 @@
           <a:p>
             <a:fld id="{382D7158-BCA9-47EA-AA9D-AC7B67B8BF8C}" type="datetimeFigureOut">
               <a:rPr lang="en-US" smtClean="0"/>
+              <a:t>12/8/2020</a:t>
             </a:fld>
             <a:endParaRPr lang="en-US"/>
           </a:p>
@@ -4587,6 +4537,7 @@
           <a:p>
             <a:fld id="{82C7A620-F616-47CF-8746-989DDFAEEDF2}" type="slidenum">
               <a:rPr lang="en-US" smtClean="0"/>
+              <a:t>‹#›</a:t>
             </a:fld>
             <a:endParaRPr lang="en-US"/>
           </a:p>
@@ -5215,7 +5166,6 @@
               <a:rPr lang="en-US" smtClean="0"/>
               <a:t>Edit Master text styles</a:t>
             </a:r>
-            <a:endParaRPr lang="en-US" smtClean="0"/>
           </a:p>
           <a:p>
             <a:pPr lvl="1"/>
@@ -5223,7 +5173,6 @@
               <a:rPr lang="en-US" smtClean="0"/>
               <a:t>Second level</a:t>
             </a:r>
-            <a:endParaRPr lang="en-US" smtClean="0"/>
           </a:p>
           <a:p>
             <a:pPr lvl="2"/>
@@ -5231,7 +5180,6 @@
               <a:rPr lang="en-US" smtClean="0"/>
               <a:t>Third level</a:t>
             </a:r>
-            <a:endParaRPr lang="en-US" smtClean="0"/>
           </a:p>
           <a:p>
             <a:pPr lvl="3"/>
@@ -5239,7 +5187,6 @@
               <a:rPr lang="en-US" smtClean="0"/>
               <a:t>Fourth level</a:t>
             </a:r>
-            <a:endParaRPr lang="en-US" smtClean="0"/>
           </a:p>
           <a:p>
             <a:pPr lvl="4"/>
@@ -5286,6 +5233,7 @@
           <a:p>
             <a:fld id="{382D7158-BCA9-47EA-AA9D-AC7B67B8BF8C}" type="datetimeFigureOut">
               <a:rPr lang="en-US" smtClean="0"/>
+              <a:t>12/8/2020</a:t>
             </a:fld>
             <a:endParaRPr lang="en-US"/>
           </a:p>
@@ -5361,6 +5309,7 @@
           <a:p>
             <a:fld id="{82C7A620-F616-47CF-8746-989DDFAEEDF2}" type="slidenum">
               <a:rPr lang="en-US" smtClean="0"/>
+              <a:t>‹#›</a:t>
             </a:fld>
             <a:endParaRPr lang="en-US"/>
           </a:p>
@@ -5890,7 +5839,6 @@
               <a:rPr lang="en-US" smtClean="0"/>
               <a:t>Thành Viên: </a:t>
             </a:r>
-            <a:endParaRPr lang="en-US" smtClean="0"/>
           </a:p>
           <a:p>
             <a:r>
@@ -5901,7 +5849,6 @@
               <a:rPr lang="en-US" smtClean="0"/>
               <a:t>Đoàn Minh Trí</a:t>
             </a:r>
-            <a:endParaRPr lang="en-US" smtClean="0"/>
           </a:p>
           <a:p>
             <a:r>
@@ -5912,7 +5859,6 @@
               <a:rPr lang="en-US" smtClean="0"/>
               <a:t>Phạm Thế Hiển</a:t>
             </a:r>
-            <a:endParaRPr lang="en-US" smtClean="0"/>
           </a:p>
           <a:p>
             <a:r>
@@ -5943,108 +5889,6 @@
       </p:par>
     </p:tnLst>
   </p:timing>
-</p:sld>
-</file>
-
-<file path=ppt/slides/slide10.xml><?xml version="1.0" encoding="utf-8"?>
-<p:sld xmlns:a="http://schemas.openxmlformats.org/drawingml/2006/main" xmlns:r="http://schemas.openxmlformats.org/officeDocument/2006/relationships" xmlns:p="http://schemas.openxmlformats.org/presentationml/2006/main">
-  <p:cSld>
-    <p:spTree>
-      <p:nvGrpSpPr>
-        <p:cNvPr id="1" name=""/>
-        <p:cNvGrpSpPr/>
-        <p:nvPr/>
-      </p:nvGrpSpPr>
-      <p:grpSpPr/>
-      <p:sp>
-        <p:nvSpPr>
-          <p:cNvPr id="2" name="Title 1"/>
-          <p:cNvSpPr>
-            <a:spLocks noGrp="1"/>
-          </p:cNvSpPr>
-          <p:nvPr>
-            <p:ph type="title"/>
-          </p:nvPr>
-        </p:nvSpPr>
-        <p:spPr/>
-        <p:txBody>
-          <a:bodyPr/>
-          <a:p>
-            <a:pPr algn="ctr"/>
-            <a:r>
-              <a:rPr lang="en-US"/>
-              <a:t>Kết quả đạt được</a:t>
-            </a:r>
-            <a:endParaRPr lang="en-US"/>
-          </a:p>
-        </p:txBody>
-      </p:sp>
-      <p:sp>
-        <p:nvSpPr>
-          <p:cNvPr id="3" name="Content Placeholder 2"/>
-          <p:cNvSpPr>
-            <a:spLocks noGrp="1"/>
-          </p:cNvSpPr>
-          <p:nvPr>
-            <p:ph idx="1"/>
-          </p:nvPr>
-        </p:nvSpPr>
-        <p:spPr/>
-        <p:txBody>
-          <a:bodyPr/>
-          <a:p>
-            <a:endParaRPr lang="en-US"/>
-          </a:p>
-        </p:txBody>
-      </p:sp>
-    </p:spTree>
-  </p:cSld>
-  <p:clrMapOvr>
-    <a:masterClrMapping/>
-  </p:clrMapOvr>
-</p:sld>
-</file>
-
-<file path=ppt/slides/slide11.xml><?xml version="1.0" encoding="utf-8"?>
-<p:sld xmlns:a="http://schemas.openxmlformats.org/drawingml/2006/main" xmlns:r="http://schemas.openxmlformats.org/officeDocument/2006/relationships" xmlns:p="http://schemas.openxmlformats.org/presentationml/2006/main">
-  <p:cSld>
-    <p:spTree>
-      <p:nvGrpSpPr>
-        <p:cNvPr id="1" name=""/>
-        <p:cNvGrpSpPr/>
-        <p:nvPr/>
-      </p:nvGrpSpPr>
-      <p:grpSpPr/>
-      <p:sp>
-        <p:nvSpPr>
-          <p:cNvPr id="2" name="Title 1"/>
-          <p:cNvSpPr>
-            <a:spLocks noGrp="1"/>
-          </p:cNvSpPr>
-          <p:nvPr>
-            <p:ph type="title"/>
-          </p:nvPr>
-        </p:nvSpPr>
-        <p:spPr/>
-        <p:txBody>
-          <a:bodyPr>
-            <a:noAutofit/>
-          </a:bodyPr>
-          <a:p>
-            <a:pPr algn="ctr"/>
-            <a:r>
-              <a:rPr lang="en-US" sz="4400"/>
-              <a:t>Cám ơn thầy và các bạn đã nghe bài thuyết trình của nhóm</a:t>
-            </a:r>
-            <a:endParaRPr lang="en-US" sz="4400"/>
-          </a:p>
-        </p:txBody>
-      </p:sp>
-    </p:spTree>
-  </p:cSld>
-  <p:clrMapOvr>
-    <a:masterClrMapping/>
-  </p:clrMapOvr>
 </p:sld>
 </file>
 
@@ -6105,15 +5949,15 @@
           </p:nvPr>
         </p:nvPicPr>
         <p:blipFill>
-          <a:blip r:embed="rId1"/>
+          <a:blip r:embed="rId2"/>
           <a:stretch>
             <a:fillRect/>
           </a:stretch>
         </p:blipFill>
         <p:spPr>
           <a:xfrm>
-            <a:off x="3839714" y="2160588"/>
-            <a:ext cx="2272609" cy="3881437"/>
+            <a:off x="4684842" y="1384733"/>
+            <a:ext cx="3087558" cy="5273306"/>
           </a:xfrm>
           <a:prstGeom prst="rect">
             <a:avLst/>
@@ -6186,15 +6030,15 @@
           </p:nvPr>
         </p:nvPicPr>
         <p:blipFill>
-          <a:blip r:embed="rId1"/>
+          <a:blip r:embed="rId2"/>
           <a:stretch>
             <a:fillRect/>
           </a:stretch>
         </p:blipFill>
         <p:spPr>
           <a:xfrm>
-            <a:off x="3835918" y="2160588"/>
-            <a:ext cx="2280202" cy="3881437"/>
+            <a:off x="4975667" y="1270000"/>
+            <a:ext cx="3226223" cy="5491786"/>
           </a:xfrm>
           <a:prstGeom prst="rect">
             <a:avLst/>
@@ -6250,11 +6094,7 @@
           <a:p>
             <a:r>
               <a:rPr lang="en-US"/>
-              <a:t>2. Giao </a:t>
-            </a:r>
-            <a:r>
-              <a:rPr lang="en-US"/>
-              <a:t>diện </a:t>
+              <a:t>2. Giao diện </a:t>
             </a:r>
             <a:r>
               <a:rPr lang="en-US" smtClean="0"/>
@@ -6278,15 +6118,15 @@
           </p:nvPr>
         </p:nvPicPr>
         <p:blipFill>
-          <a:blip r:embed="rId1"/>
+          <a:blip r:embed="rId2"/>
           <a:stretch>
             <a:fillRect/>
           </a:stretch>
         </p:blipFill>
         <p:spPr>
           <a:xfrm>
-            <a:off x="3775036" y="2160588"/>
-            <a:ext cx="2401965" cy="3881437"/>
+            <a:off x="5141922" y="1408545"/>
+            <a:ext cx="3303718" cy="5338618"/>
           </a:xfrm>
           <a:prstGeom prst="rect">
             <a:avLst/>
@@ -6362,15 +6202,15 @@
           </p:nvPr>
         </p:nvPicPr>
         <p:blipFill>
-          <a:blip r:embed="rId1"/>
+          <a:blip r:embed="rId2"/>
           <a:stretch>
             <a:fillRect/>
           </a:stretch>
         </p:blipFill>
         <p:spPr>
           <a:xfrm>
-            <a:off x="3828313" y="2160588"/>
-            <a:ext cx="2295411" cy="3881437"/>
+            <a:off x="5573985" y="1270000"/>
+            <a:ext cx="3182088" cy="5380768"/>
           </a:xfrm>
           <a:prstGeom prst="rect">
             <a:avLst/>
@@ -6447,15 +6287,15 @@
           </p:nvPr>
         </p:nvPicPr>
         <p:blipFill>
-          <a:blip r:embed="rId1"/>
+          <a:blip r:embed="rId2"/>
           <a:stretch>
             <a:fillRect/>
           </a:stretch>
         </p:blipFill>
         <p:spPr>
           <a:xfrm>
-            <a:off x="3785192" y="2160588"/>
-            <a:ext cx="2381654" cy="3881437"/>
+            <a:off x="5600137" y="1357744"/>
+            <a:ext cx="3349900" cy="5371665"/>
           </a:xfrm>
           <a:prstGeom prst="rect">
             <a:avLst/>
@@ -6528,15 +6368,15 @@
           </p:nvPr>
         </p:nvPicPr>
         <p:blipFill>
-          <a:blip r:embed="rId1"/>
+          <a:blip r:embed="rId2"/>
           <a:stretch>
             <a:fillRect/>
           </a:stretch>
         </p:blipFill>
         <p:spPr>
           <a:xfrm>
-            <a:off x="3796014" y="2160588"/>
-            <a:ext cx="2360009" cy="3881437"/>
+            <a:off x="5444704" y="1394691"/>
+            <a:ext cx="3228241" cy="5309393"/>
           </a:xfrm>
           <a:prstGeom prst="rect">
             <a:avLst/>
@@ -6609,15 +6449,15 @@
           </p:nvPr>
         </p:nvPicPr>
         <p:blipFill>
-          <a:blip r:embed="rId1"/>
+          <a:blip r:embed="rId2"/>
           <a:stretch>
             <a:fillRect/>
           </a:stretch>
         </p:blipFill>
         <p:spPr>
           <a:xfrm>
-            <a:off x="3805662" y="2160588"/>
-            <a:ext cx="2340713" cy="3881437"/>
+            <a:off x="5800717" y="1422399"/>
+            <a:ext cx="3202760" cy="5310909"/>
           </a:xfrm>
           <a:prstGeom prst="rect">
             <a:avLst/>
@@ -6690,15 +6530,15 @@
           </p:nvPr>
         </p:nvPicPr>
         <p:blipFill>
-          <a:blip r:embed="rId1"/>
+          <a:blip r:embed="rId2"/>
           <a:stretch>
             <a:fillRect/>
           </a:stretch>
         </p:blipFill>
         <p:spPr>
           <a:xfrm>
-            <a:off x="3788009" y="2160588"/>
-            <a:ext cx="2376019" cy="3881437"/>
+            <a:off x="5533682" y="1163061"/>
+            <a:ext cx="3360936" cy="5490386"/>
           </a:xfrm>
           <a:prstGeom prst="rect">
             <a:avLst/>
@@ -6974,6 +6814,8 @@
       </a:bgFillStyleLst>
     </a:fmtScheme>
   </a:themeElements>
+  <a:objectDefaults/>
+  <a:extraClrSchemeLst/>
   <a:extLst>
     <a:ext uri="{05A4C25C-085E-4340-85A3-A5531E510DB2}">
       <thm15:themeFamily xmlns:thm15="http://schemas.microsoft.com/office/thememl/2012/main" name="Office Theme" id="{62F939B6-93AF-4DB8-9C6B-D6C7DFDC589F}" vid="{4A3C46E8-61CC-4603-A589-7422A47A8E4A}"/>
